--- a/QRNG_Presentation.pptx
+++ b/QRNG_Presentation.pptx
@@ -5,17 +5,19 @@
     <p:sldMasterId id="2147483648" r:id="rId1"/>
   </p:sldMasterIdLst>
   <p:notesMasterIdLst>
-    <p:notesMasterId r:id="rId10"/>
+    <p:notesMasterId r:id="rId12"/>
   </p:notesMasterIdLst>
   <p:sldIdLst>
     <p:sldId id="291" r:id="rId2"/>
     <p:sldId id="281" r:id="rId3"/>
     <p:sldId id="290" r:id="rId4"/>
-    <p:sldId id="293" r:id="rId5"/>
-    <p:sldId id="294" r:id="rId6"/>
-    <p:sldId id="297" r:id="rId7"/>
-    <p:sldId id="296" r:id="rId8"/>
-    <p:sldId id="298" r:id="rId9"/>
+    <p:sldId id="299" r:id="rId5"/>
+    <p:sldId id="293" r:id="rId6"/>
+    <p:sldId id="294" r:id="rId7"/>
+    <p:sldId id="297" r:id="rId8"/>
+    <p:sldId id="296" r:id="rId9"/>
+    <p:sldId id="298" r:id="rId10"/>
+    <p:sldId id="300" r:id="rId11"/>
   </p:sldIdLst>
   <p:sldSz cx="12192000" cy="6858000"/>
   <p:notesSz cx="6858000" cy="9144000"/>
@@ -824,7 +826,13 @@
   <p:cSld>
     <p:spTree>
       <p:nvGrpSpPr>
-        <p:cNvPr id="1" name=""/>
+        <p:cNvPr id="1" name="">
+          <a:extLst>
+            <a:ext uri="{FF2B5EF4-FFF2-40B4-BE49-F238E27FC236}">
+              <a16:creationId xmlns:a16="http://schemas.microsoft.com/office/drawing/2014/main" id="{60E1CBD4-8ACA-F8B1-0314-E8348BC8736D}"/>
+            </a:ext>
+          </a:extLst>
+        </p:cNvPr>
         <p:cNvGrpSpPr/>
         <p:nvPr/>
       </p:nvGrpSpPr>
@@ -838,7 +846,13 @@
       </p:grpSpPr>
       <p:sp>
         <p:nvSpPr>
-          <p:cNvPr id="18433" name="Slide Image Placeholder 1"/>
+          <p:cNvPr id="18433" name="Slide Image Placeholder 1">
+            <a:extLst>
+              <a:ext uri="{FF2B5EF4-FFF2-40B4-BE49-F238E27FC236}">
+                <a16:creationId xmlns:a16="http://schemas.microsoft.com/office/drawing/2014/main" id="{0B8018B8-ECAA-178C-478A-FFDCF6E57418}"/>
+              </a:ext>
+            </a:extLst>
+          </p:cNvPr>
           <p:cNvSpPr>
             <a:spLocks noGrp="1" noRot="1" noChangeAspect="1"/>
           </p:cNvSpPr>
@@ -864,7 +878,13 @@
       </p:sp>
       <p:sp>
         <p:nvSpPr>
-          <p:cNvPr id="18434" name="Notes Placeholder 2"/>
+          <p:cNvPr id="18434" name="Notes Placeholder 2">
+            <a:extLst>
+              <a:ext uri="{FF2B5EF4-FFF2-40B4-BE49-F238E27FC236}">
+                <a16:creationId xmlns:a16="http://schemas.microsoft.com/office/drawing/2014/main" id="{BF00A3C2-6EE8-F86E-8833-2DFD11F66813}"/>
+              </a:ext>
+            </a:extLst>
+          </p:cNvPr>
           <p:cNvSpPr>
             <a:spLocks noGrp="1"/>
           </p:cNvSpPr>
@@ -896,7 +916,13 @@
       </p:sp>
       <p:sp>
         <p:nvSpPr>
-          <p:cNvPr id="18435" name="Slide Number Placeholder 3"/>
+          <p:cNvPr id="18435" name="Slide Number Placeholder 3">
+            <a:extLst>
+              <a:ext uri="{FF2B5EF4-FFF2-40B4-BE49-F238E27FC236}">
+                <a16:creationId xmlns:a16="http://schemas.microsoft.com/office/drawing/2014/main" id="{51AD5B84-5702-0B98-E382-3D1ADAD56BA3}"/>
+              </a:ext>
+            </a:extLst>
+          </p:cNvPr>
           <p:cNvSpPr>
             <a:spLocks noGrp="1"/>
           </p:cNvSpPr>
@@ -916,78 +942,19 @@
           <a:bodyPr/>
           <a:lstStyle/>
           <a:p>
-            <a:pPr marL="0" marR="0" lvl="0" indent="0" algn="r" defTabSz="457200" rtl="0" eaLnBrk="1" fontAlgn="base" latinLnBrk="0" hangingPunct="1">
-              <a:lnSpc>
-                <a:spcPct val="100000"/>
-              </a:lnSpc>
-              <a:spcBef>
-                <a:spcPct val="0"/>
-              </a:spcBef>
-              <a:spcAft>
-                <a:spcPct val="0"/>
-              </a:spcAft>
-              <a:buClrTx/>
-              <a:buSzTx/>
-              <a:buFontTx/>
-              <a:buNone/>
-              <a:tabLst/>
-              <a:defRPr/>
-            </a:pPr>
             <a:fld id="{0CA7B74D-3791-4AC6-8451-F10DBCCCDD9A}" type="slidenum">
-              <a:rPr kumimoji="0" lang="en-US" sz="1200" b="0" i="0" u="none" strike="noStrike" kern="1200" cap="none" spc="0" normalizeH="0" baseline="0" noProof="0">
-                <a:ln>
-                  <a:noFill/>
-                </a:ln>
-                <a:solidFill>
-                  <a:prstClr val="black"/>
-                </a:solidFill>
-                <a:effectLst/>
-                <a:uLnTx/>
-                <a:uFillTx/>
-                <a:latin typeface="Calibri" pitchFamily="34" charset="0"/>
-                <a:ea typeface="ＭＳ Ｐゴシック" pitchFamily="1" charset="-128"/>
-                <a:cs typeface="+mn-cs"/>
-              </a:rPr>
-              <a:pPr marL="0" marR="0" lvl="0" indent="0" algn="r" defTabSz="457200" rtl="0" eaLnBrk="1" fontAlgn="base" latinLnBrk="0" hangingPunct="1">
-                <a:lnSpc>
-                  <a:spcPct val="100000"/>
-                </a:lnSpc>
-                <a:spcBef>
-                  <a:spcPct val="0"/>
-                </a:spcBef>
-                <a:spcAft>
-                  <a:spcPct val="0"/>
-                </a:spcAft>
-                <a:buClrTx/>
-                <a:buSzTx/>
-                <a:buFontTx/>
-                <a:buNone/>
-                <a:tabLst/>
-                <a:defRPr/>
-              </a:pPr>
+              <a:rPr lang="en-US"/>
+              <a:pPr/>
               <a:t>4</a:t>
             </a:fld>
-            <a:endParaRPr kumimoji="0" lang="en-US" sz="1200" b="0" i="0" u="none" strike="noStrike" kern="1200" cap="none" spc="0" normalizeH="0" baseline="0" noProof="0">
-              <a:ln>
-                <a:noFill/>
-              </a:ln>
-              <a:solidFill>
-                <a:prstClr val="black"/>
-              </a:solidFill>
-              <a:effectLst/>
-              <a:uLnTx/>
-              <a:uFillTx/>
-              <a:latin typeface="Calibri" pitchFamily="34" charset="0"/>
-              <a:ea typeface="ＭＳ Ｐゴシック" pitchFamily="1" charset="-128"/>
-              <a:cs typeface="+mn-cs"/>
-            </a:endParaRPr>
+            <a:endParaRPr lang="en-US"/>
           </a:p>
         </p:txBody>
       </p:sp>
     </p:spTree>
     <p:extLst>
       <p:ext uri="{BB962C8B-B14F-4D97-AF65-F5344CB8AC3E}">
-        <p14:creationId xmlns:p14="http://schemas.microsoft.com/office/powerpoint/2010/main" val="3773505461"/>
+        <p14:creationId xmlns:p14="http://schemas.microsoft.com/office/powerpoint/2010/main" val="1917550207"/>
       </p:ext>
     </p:extLst>
   </p:cSld>
@@ -1165,7 +1132,7 @@
     </p:spTree>
     <p:extLst>
       <p:ext uri="{BB962C8B-B14F-4D97-AF65-F5344CB8AC3E}">
-        <p14:creationId xmlns:p14="http://schemas.microsoft.com/office/powerpoint/2010/main" val="2641722845"/>
+        <p14:creationId xmlns:p14="http://schemas.microsoft.com/office/powerpoint/2010/main" val="3773505461"/>
       </p:ext>
     </p:extLst>
   </p:cSld>
@@ -1180,13 +1147,7 @@
   <p:cSld>
     <p:spTree>
       <p:nvGrpSpPr>
-        <p:cNvPr id="1" name="">
-          <a:extLst>
-            <a:ext uri="{FF2B5EF4-FFF2-40B4-BE49-F238E27FC236}">
-              <a16:creationId xmlns:a16="http://schemas.microsoft.com/office/drawing/2014/main" id="{FC5FF649-47F5-A338-E960-F25CF807238C}"/>
-            </a:ext>
-          </a:extLst>
-        </p:cNvPr>
+        <p:cNvPr id="1" name=""/>
         <p:cNvGrpSpPr/>
         <p:nvPr/>
       </p:nvGrpSpPr>
@@ -1200,13 +1161,7 @@
       </p:grpSpPr>
       <p:sp>
         <p:nvSpPr>
-          <p:cNvPr id="18433" name="Slide Image Placeholder 1">
-            <a:extLst>
-              <a:ext uri="{FF2B5EF4-FFF2-40B4-BE49-F238E27FC236}">
-                <a16:creationId xmlns:a16="http://schemas.microsoft.com/office/drawing/2014/main" id="{2DE488AA-DE99-B078-31AF-C093CD7F1207}"/>
-              </a:ext>
-            </a:extLst>
-          </p:cNvPr>
+          <p:cNvPr id="18433" name="Slide Image Placeholder 1"/>
           <p:cNvSpPr>
             <a:spLocks noGrp="1" noRot="1" noChangeAspect="1"/>
           </p:cNvSpPr>
@@ -1232,13 +1187,7 @@
       </p:sp>
       <p:sp>
         <p:nvSpPr>
-          <p:cNvPr id="18434" name="Notes Placeholder 2">
-            <a:extLst>
-              <a:ext uri="{FF2B5EF4-FFF2-40B4-BE49-F238E27FC236}">
-                <a16:creationId xmlns:a16="http://schemas.microsoft.com/office/drawing/2014/main" id="{E15A0850-8E2A-A048-4273-D851DC6B9FA1}"/>
-              </a:ext>
-            </a:extLst>
-          </p:cNvPr>
+          <p:cNvPr id="18434" name="Notes Placeholder 2"/>
           <p:cNvSpPr>
             <a:spLocks noGrp="1"/>
           </p:cNvSpPr>
@@ -1270,13 +1219,7 @@
       </p:sp>
       <p:sp>
         <p:nvSpPr>
-          <p:cNvPr id="18435" name="Slide Number Placeholder 3">
-            <a:extLst>
-              <a:ext uri="{FF2B5EF4-FFF2-40B4-BE49-F238E27FC236}">
-                <a16:creationId xmlns:a16="http://schemas.microsoft.com/office/drawing/2014/main" id="{163B81BF-AECF-DFC0-9836-DB4DC13D9E18}"/>
-              </a:ext>
-            </a:extLst>
-          </p:cNvPr>
+          <p:cNvPr id="18435" name="Slide Number Placeholder 3"/>
           <p:cNvSpPr>
             <a:spLocks noGrp="1"/>
           </p:cNvSpPr>
@@ -1367,7 +1310,7 @@
     </p:spTree>
     <p:extLst>
       <p:ext uri="{BB962C8B-B14F-4D97-AF65-F5344CB8AC3E}">
-        <p14:creationId xmlns:p14="http://schemas.microsoft.com/office/powerpoint/2010/main" val="1416323377"/>
+        <p14:creationId xmlns:p14="http://schemas.microsoft.com/office/powerpoint/2010/main" val="2641722845"/>
       </p:ext>
     </p:extLst>
   </p:cSld>
@@ -1382,7 +1325,13 @@
   <p:cSld>
     <p:spTree>
       <p:nvGrpSpPr>
-        <p:cNvPr id="1" name=""/>
+        <p:cNvPr id="1" name="">
+          <a:extLst>
+            <a:ext uri="{FF2B5EF4-FFF2-40B4-BE49-F238E27FC236}">
+              <a16:creationId xmlns:a16="http://schemas.microsoft.com/office/drawing/2014/main" id="{FC5FF649-47F5-A338-E960-F25CF807238C}"/>
+            </a:ext>
+          </a:extLst>
+        </p:cNvPr>
         <p:cNvGrpSpPr/>
         <p:nvPr/>
       </p:nvGrpSpPr>
@@ -1396,7 +1345,13 @@
       </p:grpSpPr>
       <p:sp>
         <p:nvSpPr>
-          <p:cNvPr id="18433" name="Slide Image Placeholder 1"/>
+          <p:cNvPr id="18433" name="Slide Image Placeholder 1">
+            <a:extLst>
+              <a:ext uri="{FF2B5EF4-FFF2-40B4-BE49-F238E27FC236}">
+                <a16:creationId xmlns:a16="http://schemas.microsoft.com/office/drawing/2014/main" id="{2DE488AA-DE99-B078-31AF-C093CD7F1207}"/>
+              </a:ext>
+            </a:extLst>
+          </p:cNvPr>
           <p:cNvSpPr>
             <a:spLocks noGrp="1" noRot="1" noChangeAspect="1"/>
           </p:cNvSpPr>
@@ -1422,7 +1377,13 @@
       </p:sp>
       <p:sp>
         <p:nvSpPr>
-          <p:cNvPr id="18434" name="Notes Placeholder 2"/>
+          <p:cNvPr id="18434" name="Notes Placeholder 2">
+            <a:extLst>
+              <a:ext uri="{FF2B5EF4-FFF2-40B4-BE49-F238E27FC236}">
+                <a16:creationId xmlns:a16="http://schemas.microsoft.com/office/drawing/2014/main" id="{E15A0850-8E2A-A048-4273-D851DC6B9FA1}"/>
+              </a:ext>
+            </a:extLst>
+          </p:cNvPr>
           <p:cNvSpPr>
             <a:spLocks noGrp="1"/>
           </p:cNvSpPr>
@@ -1454,7 +1415,13 @@
       </p:sp>
       <p:sp>
         <p:nvSpPr>
-          <p:cNvPr id="18435" name="Slide Number Placeholder 3"/>
+          <p:cNvPr id="18435" name="Slide Number Placeholder 3">
+            <a:extLst>
+              <a:ext uri="{FF2B5EF4-FFF2-40B4-BE49-F238E27FC236}">
+                <a16:creationId xmlns:a16="http://schemas.microsoft.com/office/drawing/2014/main" id="{163B81BF-AECF-DFC0-9836-DB4DC13D9E18}"/>
+              </a:ext>
+            </a:extLst>
+          </p:cNvPr>
           <p:cNvSpPr>
             <a:spLocks noGrp="1"/>
           </p:cNvSpPr>
@@ -1545,7 +1512,7 @@
     </p:spTree>
     <p:extLst>
       <p:ext uri="{BB962C8B-B14F-4D97-AF65-F5344CB8AC3E}">
-        <p14:creationId xmlns:p14="http://schemas.microsoft.com/office/powerpoint/2010/main" val="1908672725"/>
+        <p14:creationId xmlns:p14="http://schemas.microsoft.com/office/powerpoint/2010/main" val="1416323377"/>
       </p:ext>
     </p:extLst>
   </p:cSld>
@@ -1560,13 +1527,7 @@
   <p:cSld>
     <p:spTree>
       <p:nvGrpSpPr>
-        <p:cNvPr id="1" name="">
-          <a:extLst>
-            <a:ext uri="{FF2B5EF4-FFF2-40B4-BE49-F238E27FC236}">
-              <a16:creationId xmlns:a16="http://schemas.microsoft.com/office/drawing/2014/main" id="{1D27D04A-2640-BCFA-BEB9-93CFA1C11664}"/>
-            </a:ext>
-          </a:extLst>
-        </p:cNvPr>
+        <p:cNvPr id="1" name=""/>
         <p:cNvGrpSpPr/>
         <p:nvPr/>
       </p:nvGrpSpPr>
@@ -1580,13 +1541,7 @@
       </p:grpSpPr>
       <p:sp>
         <p:nvSpPr>
-          <p:cNvPr id="18433" name="Slide Image Placeholder 1">
-            <a:extLst>
-              <a:ext uri="{FF2B5EF4-FFF2-40B4-BE49-F238E27FC236}">
-                <a16:creationId xmlns:a16="http://schemas.microsoft.com/office/drawing/2014/main" id="{9698FD96-FDDF-BA9F-8373-92A610DFF159}"/>
-              </a:ext>
-            </a:extLst>
-          </p:cNvPr>
+          <p:cNvPr id="18433" name="Slide Image Placeholder 1"/>
           <p:cNvSpPr>
             <a:spLocks noGrp="1" noRot="1" noChangeAspect="1"/>
           </p:cNvSpPr>
@@ -1612,13 +1567,7 @@
       </p:sp>
       <p:sp>
         <p:nvSpPr>
-          <p:cNvPr id="18434" name="Notes Placeholder 2">
-            <a:extLst>
-              <a:ext uri="{FF2B5EF4-FFF2-40B4-BE49-F238E27FC236}">
-                <a16:creationId xmlns:a16="http://schemas.microsoft.com/office/drawing/2014/main" id="{330AAD8E-680B-8E10-0F51-3F147EB20876}"/>
-              </a:ext>
-            </a:extLst>
-          </p:cNvPr>
+          <p:cNvPr id="18434" name="Notes Placeholder 2"/>
           <p:cNvSpPr>
             <a:spLocks noGrp="1"/>
           </p:cNvSpPr>
@@ -1650,13 +1599,7 @@
       </p:sp>
       <p:sp>
         <p:nvSpPr>
-          <p:cNvPr id="18435" name="Slide Number Placeholder 3">
-            <a:extLst>
-              <a:ext uri="{FF2B5EF4-FFF2-40B4-BE49-F238E27FC236}">
-                <a16:creationId xmlns:a16="http://schemas.microsoft.com/office/drawing/2014/main" id="{C0F75285-D1BD-CEE2-3AB6-F5516EB249BD}"/>
-              </a:ext>
-            </a:extLst>
-          </p:cNvPr>
+          <p:cNvPr id="18435" name="Slide Number Placeholder 3"/>
           <p:cNvSpPr>
             <a:spLocks noGrp="1"/>
           </p:cNvSpPr>
@@ -1747,7 +1690,411 @@
     </p:spTree>
     <p:extLst>
       <p:ext uri="{BB962C8B-B14F-4D97-AF65-F5344CB8AC3E}">
+        <p14:creationId xmlns:p14="http://schemas.microsoft.com/office/powerpoint/2010/main" val="1908672725"/>
+      </p:ext>
+    </p:extLst>
+  </p:cSld>
+  <p:clrMapOvr>
+    <a:masterClrMapping/>
+  </p:clrMapOvr>
+</p:notes>
+</file>
+
+<file path=ppt/notesSlides/notesSlide8.xml><?xml version="1.0" encoding="utf-8"?>
+<p:notes xmlns:a="http://schemas.openxmlformats.org/drawingml/2006/main" xmlns:r="http://schemas.openxmlformats.org/officeDocument/2006/relationships" xmlns:p="http://schemas.openxmlformats.org/presentationml/2006/main">
+  <p:cSld>
+    <p:spTree>
+      <p:nvGrpSpPr>
+        <p:cNvPr id="1" name="">
+          <a:extLst>
+            <a:ext uri="{FF2B5EF4-FFF2-40B4-BE49-F238E27FC236}">
+              <a16:creationId xmlns:a16="http://schemas.microsoft.com/office/drawing/2014/main" id="{1D27D04A-2640-BCFA-BEB9-93CFA1C11664}"/>
+            </a:ext>
+          </a:extLst>
+        </p:cNvPr>
+        <p:cNvGrpSpPr/>
+        <p:nvPr/>
+      </p:nvGrpSpPr>
+      <p:grpSpPr>
+        <a:xfrm>
+          <a:off x="0" y="0"/>
+          <a:ext cx="0" cy="0"/>
+          <a:chOff x="0" y="0"/>
+          <a:chExt cx="0" cy="0"/>
+        </a:xfrm>
+      </p:grpSpPr>
+      <p:sp>
+        <p:nvSpPr>
+          <p:cNvPr id="18433" name="Slide Image Placeholder 1">
+            <a:extLst>
+              <a:ext uri="{FF2B5EF4-FFF2-40B4-BE49-F238E27FC236}">
+                <a16:creationId xmlns:a16="http://schemas.microsoft.com/office/drawing/2014/main" id="{9698FD96-FDDF-BA9F-8373-92A610DFF159}"/>
+              </a:ext>
+            </a:extLst>
+          </p:cNvPr>
+          <p:cNvSpPr>
+            <a:spLocks noGrp="1" noRot="1" noChangeAspect="1"/>
+          </p:cNvSpPr>
+          <p:nvPr>
+            <p:ph type="sldImg"/>
+          </p:nvPr>
+        </p:nvSpPr>
+        <p:spPr bwMode="auto">
+          <a:xfrm>
+            <a:off x="381000" y="685800"/>
+            <a:ext cx="6096000" cy="3429000"/>
+          </a:xfrm>
+          <a:noFill/>
+          <a:ln>
+            <a:solidFill>
+              <a:srgbClr val="000000"/>
+            </a:solidFill>
+            <a:miter lim="800000"/>
+            <a:headEnd/>
+            <a:tailEnd/>
+          </a:ln>
+        </p:spPr>
+      </p:sp>
+      <p:sp>
+        <p:nvSpPr>
+          <p:cNvPr id="18434" name="Notes Placeholder 2">
+            <a:extLst>
+              <a:ext uri="{FF2B5EF4-FFF2-40B4-BE49-F238E27FC236}">
+                <a16:creationId xmlns:a16="http://schemas.microsoft.com/office/drawing/2014/main" id="{330AAD8E-680B-8E10-0F51-3F147EB20876}"/>
+              </a:ext>
+            </a:extLst>
+          </p:cNvPr>
+          <p:cNvSpPr>
+            <a:spLocks noGrp="1"/>
+          </p:cNvSpPr>
+          <p:nvPr>
+            <p:ph type="body" idx="1"/>
+          </p:nvPr>
+        </p:nvSpPr>
+        <p:spPr bwMode="auto">
+          <a:noFill/>
+        </p:spPr>
+        <p:txBody>
+          <a:bodyPr wrap="square" numCol="1" anchor="t" anchorCtr="0" compatLnSpc="1">
+            <a:prstTxWarp prst="textNoShape">
+              <a:avLst/>
+            </a:prstTxWarp>
+          </a:bodyPr>
+          <a:lstStyle/>
+          <a:p>
+            <a:pPr eaLnBrk="1" hangingPunct="1">
+              <a:spcBef>
+                <a:spcPct val="0"/>
+              </a:spcBef>
+            </a:pPr>
+            <a:endParaRPr lang="en-US">
+              <a:ea typeface="ＭＳ Ｐゴシック" pitchFamily="1" charset="-128"/>
+            </a:endParaRPr>
+          </a:p>
+        </p:txBody>
+      </p:sp>
+      <p:sp>
+        <p:nvSpPr>
+          <p:cNvPr id="18435" name="Slide Number Placeholder 3">
+            <a:extLst>
+              <a:ext uri="{FF2B5EF4-FFF2-40B4-BE49-F238E27FC236}">
+                <a16:creationId xmlns:a16="http://schemas.microsoft.com/office/drawing/2014/main" id="{C0F75285-D1BD-CEE2-3AB6-F5516EB249BD}"/>
+              </a:ext>
+            </a:extLst>
+          </p:cNvPr>
+          <p:cNvSpPr>
+            <a:spLocks noGrp="1"/>
+          </p:cNvSpPr>
+          <p:nvPr>
+            <p:ph type="sldNum" sz="quarter" idx="5"/>
+          </p:nvPr>
+        </p:nvSpPr>
+        <p:spPr bwMode="auto">
+          <a:noFill/>
+          <a:ln>
+            <a:miter lim="800000"/>
+            <a:headEnd/>
+            <a:tailEnd/>
+          </a:ln>
+        </p:spPr>
+        <p:txBody>
+          <a:bodyPr/>
+          <a:lstStyle/>
+          <a:p>
+            <a:pPr marL="0" marR="0" lvl="0" indent="0" algn="r" defTabSz="457200" rtl="0" eaLnBrk="1" fontAlgn="base" latinLnBrk="0" hangingPunct="1">
+              <a:lnSpc>
+                <a:spcPct val="100000"/>
+              </a:lnSpc>
+              <a:spcBef>
+                <a:spcPct val="0"/>
+              </a:spcBef>
+              <a:spcAft>
+                <a:spcPct val="0"/>
+              </a:spcAft>
+              <a:buClrTx/>
+              <a:buSzTx/>
+              <a:buFontTx/>
+              <a:buNone/>
+              <a:tabLst/>
+              <a:defRPr/>
+            </a:pPr>
+            <a:fld id="{0CA7B74D-3791-4AC6-8451-F10DBCCCDD9A}" type="slidenum">
+              <a:rPr kumimoji="0" lang="en-US" sz="1200" b="0" i="0" u="none" strike="noStrike" kern="1200" cap="none" spc="0" normalizeH="0" baseline="0" noProof="0">
+                <a:ln>
+                  <a:noFill/>
+                </a:ln>
+                <a:solidFill>
+                  <a:prstClr val="black"/>
+                </a:solidFill>
+                <a:effectLst/>
+                <a:uLnTx/>
+                <a:uFillTx/>
+                <a:latin typeface="Calibri" pitchFamily="34" charset="0"/>
+                <a:ea typeface="ＭＳ Ｐゴシック" pitchFamily="1" charset="-128"/>
+                <a:cs typeface="+mn-cs"/>
+              </a:rPr>
+              <a:pPr marL="0" marR="0" lvl="0" indent="0" algn="r" defTabSz="457200" rtl="0" eaLnBrk="1" fontAlgn="base" latinLnBrk="0" hangingPunct="1">
+                <a:lnSpc>
+                  <a:spcPct val="100000"/>
+                </a:lnSpc>
+                <a:spcBef>
+                  <a:spcPct val="0"/>
+                </a:spcBef>
+                <a:spcAft>
+                  <a:spcPct val="0"/>
+                </a:spcAft>
+                <a:buClrTx/>
+                <a:buSzTx/>
+                <a:buFontTx/>
+                <a:buNone/>
+                <a:tabLst/>
+                <a:defRPr/>
+              </a:pPr>
+              <a:t>9</a:t>
+            </a:fld>
+            <a:endParaRPr kumimoji="0" lang="en-US" sz="1200" b="0" i="0" u="none" strike="noStrike" kern="1200" cap="none" spc="0" normalizeH="0" baseline="0" noProof="0">
+              <a:ln>
+                <a:noFill/>
+              </a:ln>
+              <a:solidFill>
+                <a:prstClr val="black"/>
+              </a:solidFill>
+              <a:effectLst/>
+              <a:uLnTx/>
+              <a:uFillTx/>
+              <a:latin typeface="Calibri" pitchFamily="34" charset="0"/>
+              <a:ea typeface="ＭＳ Ｐゴシック" pitchFamily="1" charset="-128"/>
+              <a:cs typeface="+mn-cs"/>
+            </a:endParaRPr>
+          </a:p>
+        </p:txBody>
+      </p:sp>
+    </p:spTree>
+    <p:extLst>
+      <p:ext uri="{BB962C8B-B14F-4D97-AF65-F5344CB8AC3E}">
         <p14:creationId xmlns:p14="http://schemas.microsoft.com/office/powerpoint/2010/main" val="1250667389"/>
+      </p:ext>
+    </p:extLst>
+  </p:cSld>
+  <p:clrMapOvr>
+    <a:masterClrMapping/>
+  </p:clrMapOvr>
+</p:notes>
+</file>
+
+<file path=ppt/notesSlides/notesSlide9.xml><?xml version="1.0" encoding="utf-8"?>
+<p:notes xmlns:a="http://schemas.openxmlformats.org/drawingml/2006/main" xmlns:r="http://schemas.openxmlformats.org/officeDocument/2006/relationships" xmlns:p="http://schemas.openxmlformats.org/presentationml/2006/main">
+  <p:cSld>
+    <p:spTree>
+      <p:nvGrpSpPr>
+        <p:cNvPr id="1" name="">
+          <a:extLst>
+            <a:ext uri="{FF2B5EF4-FFF2-40B4-BE49-F238E27FC236}">
+              <a16:creationId xmlns:a16="http://schemas.microsoft.com/office/drawing/2014/main" id="{DEBAA67B-5479-FBD7-4D0D-91DC00ACDB48}"/>
+            </a:ext>
+          </a:extLst>
+        </p:cNvPr>
+        <p:cNvGrpSpPr/>
+        <p:nvPr/>
+      </p:nvGrpSpPr>
+      <p:grpSpPr>
+        <a:xfrm>
+          <a:off x="0" y="0"/>
+          <a:ext cx="0" cy="0"/>
+          <a:chOff x="0" y="0"/>
+          <a:chExt cx="0" cy="0"/>
+        </a:xfrm>
+      </p:grpSpPr>
+      <p:sp>
+        <p:nvSpPr>
+          <p:cNvPr id="18433" name="Slide Image Placeholder 1">
+            <a:extLst>
+              <a:ext uri="{FF2B5EF4-FFF2-40B4-BE49-F238E27FC236}">
+                <a16:creationId xmlns:a16="http://schemas.microsoft.com/office/drawing/2014/main" id="{5D79B491-005D-DA69-73B5-3A462973A01B}"/>
+              </a:ext>
+            </a:extLst>
+          </p:cNvPr>
+          <p:cNvSpPr>
+            <a:spLocks noGrp="1" noRot="1" noChangeAspect="1"/>
+          </p:cNvSpPr>
+          <p:nvPr>
+            <p:ph type="sldImg"/>
+          </p:nvPr>
+        </p:nvSpPr>
+        <p:spPr bwMode="auto">
+          <a:xfrm>
+            <a:off x="381000" y="685800"/>
+            <a:ext cx="6096000" cy="3429000"/>
+          </a:xfrm>
+          <a:noFill/>
+          <a:ln>
+            <a:solidFill>
+              <a:srgbClr val="000000"/>
+            </a:solidFill>
+            <a:miter lim="800000"/>
+            <a:headEnd/>
+            <a:tailEnd/>
+          </a:ln>
+        </p:spPr>
+      </p:sp>
+      <p:sp>
+        <p:nvSpPr>
+          <p:cNvPr id="18434" name="Notes Placeholder 2">
+            <a:extLst>
+              <a:ext uri="{FF2B5EF4-FFF2-40B4-BE49-F238E27FC236}">
+                <a16:creationId xmlns:a16="http://schemas.microsoft.com/office/drawing/2014/main" id="{0E726931-342D-7D04-55B6-209BE62CA7D0}"/>
+              </a:ext>
+            </a:extLst>
+          </p:cNvPr>
+          <p:cNvSpPr>
+            <a:spLocks noGrp="1"/>
+          </p:cNvSpPr>
+          <p:nvPr>
+            <p:ph type="body" idx="1"/>
+          </p:nvPr>
+        </p:nvSpPr>
+        <p:spPr bwMode="auto">
+          <a:noFill/>
+        </p:spPr>
+        <p:txBody>
+          <a:bodyPr wrap="square" numCol="1" anchor="t" anchorCtr="0" compatLnSpc="1">
+            <a:prstTxWarp prst="textNoShape">
+              <a:avLst/>
+            </a:prstTxWarp>
+          </a:bodyPr>
+          <a:lstStyle/>
+          <a:p>
+            <a:pPr eaLnBrk="1" hangingPunct="1">
+              <a:spcBef>
+                <a:spcPct val="0"/>
+              </a:spcBef>
+            </a:pPr>
+            <a:endParaRPr lang="en-US">
+              <a:ea typeface="ＭＳ Ｐゴシック" pitchFamily="1" charset="-128"/>
+            </a:endParaRPr>
+          </a:p>
+        </p:txBody>
+      </p:sp>
+      <p:sp>
+        <p:nvSpPr>
+          <p:cNvPr id="18435" name="Slide Number Placeholder 3">
+            <a:extLst>
+              <a:ext uri="{FF2B5EF4-FFF2-40B4-BE49-F238E27FC236}">
+                <a16:creationId xmlns:a16="http://schemas.microsoft.com/office/drawing/2014/main" id="{3A2FAD5B-05D3-59F4-3D3A-C23982340EAC}"/>
+              </a:ext>
+            </a:extLst>
+          </p:cNvPr>
+          <p:cNvSpPr>
+            <a:spLocks noGrp="1"/>
+          </p:cNvSpPr>
+          <p:nvPr>
+            <p:ph type="sldNum" sz="quarter" idx="5"/>
+          </p:nvPr>
+        </p:nvSpPr>
+        <p:spPr bwMode="auto">
+          <a:noFill/>
+          <a:ln>
+            <a:miter lim="800000"/>
+            <a:headEnd/>
+            <a:tailEnd/>
+          </a:ln>
+        </p:spPr>
+        <p:txBody>
+          <a:bodyPr/>
+          <a:lstStyle/>
+          <a:p>
+            <a:pPr marL="0" marR="0" lvl="0" indent="0" algn="r" defTabSz="457200" rtl="0" eaLnBrk="1" fontAlgn="base" latinLnBrk="0" hangingPunct="1">
+              <a:lnSpc>
+                <a:spcPct val="100000"/>
+              </a:lnSpc>
+              <a:spcBef>
+                <a:spcPct val="0"/>
+              </a:spcBef>
+              <a:spcAft>
+                <a:spcPct val="0"/>
+              </a:spcAft>
+              <a:buClrTx/>
+              <a:buSzTx/>
+              <a:buFontTx/>
+              <a:buNone/>
+              <a:tabLst/>
+              <a:defRPr/>
+            </a:pPr>
+            <a:fld id="{0CA7B74D-3791-4AC6-8451-F10DBCCCDD9A}" type="slidenum">
+              <a:rPr kumimoji="0" lang="en-US" sz="1200" b="0" i="0" u="none" strike="noStrike" kern="1200" cap="none" spc="0" normalizeH="0" baseline="0" noProof="0">
+                <a:ln>
+                  <a:noFill/>
+                </a:ln>
+                <a:solidFill>
+                  <a:prstClr val="black"/>
+                </a:solidFill>
+                <a:effectLst/>
+                <a:uLnTx/>
+                <a:uFillTx/>
+                <a:latin typeface="Calibri" pitchFamily="34" charset="0"/>
+                <a:ea typeface="ＭＳ Ｐゴシック" pitchFamily="1" charset="-128"/>
+                <a:cs typeface="+mn-cs"/>
+              </a:rPr>
+              <a:pPr marL="0" marR="0" lvl="0" indent="0" algn="r" defTabSz="457200" rtl="0" eaLnBrk="1" fontAlgn="base" latinLnBrk="0" hangingPunct="1">
+                <a:lnSpc>
+                  <a:spcPct val="100000"/>
+                </a:lnSpc>
+                <a:spcBef>
+                  <a:spcPct val="0"/>
+                </a:spcBef>
+                <a:spcAft>
+                  <a:spcPct val="0"/>
+                </a:spcAft>
+                <a:buClrTx/>
+                <a:buSzTx/>
+                <a:buFontTx/>
+                <a:buNone/>
+                <a:tabLst/>
+                <a:defRPr/>
+              </a:pPr>
+              <a:t>10</a:t>
+            </a:fld>
+            <a:endParaRPr kumimoji="0" lang="en-US" sz="1200" b="0" i="0" u="none" strike="noStrike" kern="1200" cap="none" spc="0" normalizeH="0" baseline="0" noProof="0">
+              <a:ln>
+                <a:noFill/>
+              </a:ln>
+              <a:solidFill>
+                <a:prstClr val="black"/>
+              </a:solidFill>
+              <a:effectLst/>
+              <a:uLnTx/>
+              <a:uFillTx/>
+              <a:latin typeface="Calibri" pitchFamily="34" charset="0"/>
+              <a:ea typeface="ＭＳ Ｐゴシック" pitchFamily="1" charset="-128"/>
+              <a:cs typeface="+mn-cs"/>
+            </a:endParaRPr>
+          </a:p>
+        </p:txBody>
+      </p:sp>
+    </p:spTree>
+    <p:extLst>
+      <p:ext uri="{BB962C8B-B14F-4D97-AF65-F5344CB8AC3E}">
+        <p14:creationId xmlns:p14="http://schemas.microsoft.com/office/powerpoint/2010/main" val="2900232428"/>
       </p:ext>
     </p:extLst>
   </p:cSld>
@@ -6224,7 +6571,7 @@
         </p:blipFill>
         <p:spPr>
           <a:xfrm>
-            <a:off x="7918296" y="2254048"/>
+            <a:off x="7918296" y="2135176"/>
             <a:ext cx="2513346" cy="2876904"/>
           </a:xfrm>
           <a:prstGeom prst="rect">
@@ -6301,6 +6648,395 @@
 </p:sld>
 </file>
 
+<file path=ppt/slides/slide10.xml><?xml version="1.0" encoding="utf-8"?>
+<p:sld xmlns:a="http://schemas.openxmlformats.org/drawingml/2006/main" xmlns:r="http://schemas.openxmlformats.org/officeDocument/2006/relationships" xmlns:p="http://schemas.openxmlformats.org/presentationml/2006/main">
+  <p:cSld>
+    <p:spTree>
+      <p:nvGrpSpPr>
+        <p:cNvPr id="1" name="">
+          <a:extLst>
+            <a:ext uri="{FF2B5EF4-FFF2-40B4-BE49-F238E27FC236}">
+              <a16:creationId xmlns:a16="http://schemas.microsoft.com/office/drawing/2014/main" id="{C5381FC9-09D0-9B45-21E6-E4E65CCEF68B}"/>
+            </a:ext>
+          </a:extLst>
+        </p:cNvPr>
+        <p:cNvGrpSpPr/>
+        <p:nvPr/>
+      </p:nvGrpSpPr>
+      <p:grpSpPr>
+        <a:xfrm>
+          <a:off x="0" y="0"/>
+          <a:ext cx="0" cy="0"/>
+          <a:chOff x="0" y="0"/>
+          <a:chExt cx="0" cy="0"/>
+        </a:xfrm>
+      </p:grpSpPr>
+      <p:sp>
+        <p:nvSpPr>
+          <p:cNvPr id="10" name="Rectangle 9">
+            <a:extLst>
+              <a:ext uri="{FF2B5EF4-FFF2-40B4-BE49-F238E27FC236}">
+                <a16:creationId xmlns:a16="http://schemas.microsoft.com/office/drawing/2014/main" id="{4F883CAE-7A57-8049-2A59-D2D6DE217B25}"/>
+              </a:ext>
+            </a:extLst>
+          </p:cNvPr>
+          <p:cNvSpPr>
+            <a:spLocks noChangeArrowheads="1"/>
+          </p:cNvSpPr>
+          <p:nvPr/>
+        </p:nvSpPr>
+        <p:spPr bwMode="auto">
+          <a:xfrm>
+            <a:off x="0" y="6354762"/>
+            <a:ext cx="12191999" cy="503238"/>
+          </a:xfrm>
+          <a:prstGeom prst="rect">
+            <a:avLst/>
+          </a:prstGeom>
+          <a:solidFill>
+            <a:srgbClr val="0070C0"/>
+          </a:solidFill>
+          <a:ln w="9525">
+            <a:noFill/>
+            <a:miter lim="800000"/>
+            <a:headEnd/>
+            <a:tailEnd/>
+          </a:ln>
+          <a:effectLst>
+            <a:outerShdw dist="23000" dir="5400000" rotWithShape="0">
+              <a:srgbClr val="808080">
+                <a:alpha val="34999"/>
+              </a:srgbClr>
+            </a:outerShdw>
+          </a:effectLst>
+        </p:spPr>
+        <p:txBody>
+          <a:bodyPr anchor="ctr"/>
+          <a:lstStyle/>
+          <a:p>
+            <a:pPr marL="0" marR="0" lvl="0" indent="0" algn="ctr" defTabSz="457200" rtl="0" eaLnBrk="1" fontAlgn="auto" latinLnBrk="0" hangingPunct="1">
+              <a:lnSpc>
+                <a:spcPct val="100000"/>
+              </a:lnSpc>
+              <a:spcBef>
+                <a:spcPts val="0"/>
+              </a:spcBef>
+              <a:spcAft>
+                <a:spcPts val="0"/>
+              </a:spcAft>
+              <a:buClrTx/>
+              <a:buSzTx/>
+              <a:buFontTx/>
+              <a:buNone/>
+              <a:tabLst/>
+              <a:defRPr/>
+            </a:pPr>
+            <a:endParaRPr kumimoji="0" lang="en-US" sz="1800" b="0" i="0" u="none" strike="noStrike" kern="1200" cap="none" spc="0" normalizeH="0" baseline="0" noProof="0" dirty="0">
+              <a:ln>
+                <a:noFill/>
+              </a:ln>
+              <a:solidFill>
+                <a:srgbClr val="C0504D">
+                  <a:lumMod val="75000"/>
+                </a:srgbClr>
+              </a:solidFill>
+              <a:effectLst/>
+              <a:uLnTx/>
+              <a:uFillTx/>
+              <a:latin typeface="Calibri"/>
+              <a:ea typeface="ＭＳ Ｐゴシック" pitchFamily="1" charset="-128"/>
+              <a:cs typeface="+mn-cs"/>
+            </a:endParaRPr>
+          </a:p>
+        </p:txBody>
+      </p:sp>
+      <p:sp>
+        <p:nvSpPr>
+          <p:cNvPr id="6" name="Slide Number Placeholder 5">
+            <a:extLst>
+              <a:ext uri="{FF2B5EF4-FFF2-40B4-BE49-F238E27FC236}">
+                <a16:creationId xmlns:a16="http://schemas.microsoft.com/office/drawing/2014/main" id="{D27C4584-0A40-AD4E-87BB-379FFEE9B902}"/>
+              </a:ext>
+            </a:extLst>
+          </p:cNvPr>
+          <p:cNvSpPr>
+            <a:spLocks noGrp="1"/>
+          </p:cNvSpPr>
+          <p:nvPr>
+            <p:ph type="sldNum" sz="quarter" idx="12"/>
+          </p:nvPr>
+        </p:nvSpPr>
+        <p:spPr/>
+        <p:txBody>
+          <a:bodyPr/>
+          <a:lstStyle/>
+          <a:p>
+            <a:pPr marL="0" marR="0" lvl="0" indent="0" algn="r" defTabSz="457200" rtl="0" eaLnBrk="1" fontAlgn="base" latinLnBrk="0" hangingPunct="1">
+              <a:lnSpc>
+                <a:spcPct val="100000"/>
+              </a:lnSpc>
+              <a:spcBef>
+                <a:spcPct val="0"/>
+              </a:spcBef>
+              <a:spcAft>
+                <a:spcPct val="0"/>
+              </a:spcAft>
+              <a:buClrTx/>
+              <a:buSzTx/>
+              <a:buFontTx/>
+              <a:buNone/>
+              <a:tabLst/>
+              <a:defRPr/>
+            </a:pPr>
+            <a:fld id="{677C3CE7-23F7-4828-823C-E0205DF2CF97}" type="slidenum">
+              <a:rPr kumimoji="0" lang="en-US" sz="1200" b="1" i="0" u="none" strike="noStrike" kern="1200" cap="none" spc="0" normalizeH="0" baseline="0" noProof="0">
+                <a:ln>
+                  <a:noFill/>
+                </a:ln>
+                <a:solidFill>
+                  <a:prstClr val="white"/>
+                </a:solidFill>
+                <a:effectLst/>
+                <a:uLnTx/>
+                <a:uFillTx/>
+                <a:latin typeface="TradeGothic" pitchFamily="1" charset="0"/>
+                <a:ea typeface="ＭＳ Ｐゴシック" pitchFamily="1" charset="-128"/>
+                <a:cs typeface="+mn-cs"/>
+              </a:rPr>
+              <a:pPr marL="0" marR="0" lvl="0" indent="0" algn="r" defTabSz="457200" rtl="0" eaLnBrk="1" fontAlgn="base" latinLnBrk="0" hangingPunct="1">
+                <a:lnSpc>
+                  <a:spcPct val="100000"/>
+                </a:lnSpc>
+                <a:spcBef>
+                  <a:spcPct val="0"/>
+                </a:spcBef>
+                <a:spcAft>
+                  <a:spcPct val="0"/>
+                </a:spcAft>
+                <a:buClrTx/>
+                <a:buSzTx/>
+                <a:buFontTx/>
+                <a:buNone/>
+                <a:tabLst/>
+                <a:defRPr/>
+              </a:pPr>
+              <a:t>10</a:t>
+            </a:fld>
+            <a:endParaRPr kumimoji="0" lang="en-US" sz="1200" b="1" i="0" u="none" strike="noStrike" kern="1200" cap="none" spc="0" normalizeH="0" baseline="0" noProof="0" dirty="0">
+              <a:ln>
+                <a:noFill/>
+              </a:ln>
+              <a:solidFill>
+                <a:prstClr val="white"/>
+              </a:solidFill>
+              <a:effectLst/>
+              <a:uLnTx/>
+              <a:uFillTx/>
+              <a:latin typeface="TradeGothic" pitchFamily="1" charset="0"/>
+              <a:ea typeface="ＭＳ Ｐゴシック" pitchFamily="1" charset="-128"/>
+              <a:cs typeface="+mn-cs"/>
+            </a:endParaRPr>
+          </a:p>
+        </p:txBody>
+      </p:sp>
+      <p:sp>
+        <p:nvSpPr>
+          <p:cNvPr id="7" name="Footer Placeholder 6">
+            <a:extLst>
+              <a:ext uri="{FF2B5EF4-FFF2-40B4-BE49-F238E27FC236}">
+                <a16:creationId xmlns:a16="http://schemas.microsoft.com/office/drawing/2014/main" id="{52FFB96A-3E84-E950-DAB1-0BD591C8E870}"/>
+              </a:ext>
+            </a:extLst>
+          </p:cNvPr>
+          <p:cNvSpPr>
+            <a:spLocks noGrp="1"/>
+          </p:cNvSpPr>
+          <p:nvPr>
+            <p:ph type="ftr" sz="quarter" idx="11"/>
+          </p:nvPr>
+        </p:nvSpPr>
+        <p:spPr>
+          <a:xfrm>
+            <a:off x="4648200" y="6356353"/>
+            <a:ext cx="3204000" cy="365125"/>
+          </a:xfrm>
+        </p:spPr>
+        <p:txBody>
+          <a:bodyPr/>
+          <a:lstStyle/>
+          <a:p>
+            <a:pPr lvl="0">
+              <a:defRPr/>
+            </a:pPr>
+            <a:r>
+              <a:rPr lang="en-US" dirty="0">
+                <a:solidFill>
+                  <a:prstClr val="white"/>
+                </a:solidFill>
+              </a:rPr>
+              <a:t>@AQVH2025</a:t>
+            </a:r>
+          </a:p>
+        </p:txBody>
+      </p:sp>
+      <p:pic>
+        <p:nvPicPr>
+          <p:cNvPr id="2" name="Picture 1">
+            <a:extLst>
+              <a:ext uri="{FF2B5EF4-FFF2-40B4-BE49-F238E27FC236}">
+                <a16:creationId xmlns:a16="http://schemas.microsoft.com/office/drawing/2014/main" id="{4084A4B1-0342-6C76-CCC2-B4421415790C}"/>
+              </a:ext>
+            </a:extLst>
+          </p:cNvPr>
+          <p:cNvPicPr>
+            <a:picLocks noChangeAspect="1"/>
+          </p:cNvPicPr>
+          <p:nvPr/>
+        </p:nvPicPr>
+        <p:blipFill>
+          <a:blip r:embed="rId3"/>
+          <a:srcRect l="16406" t="28869" r="23125" b="33943"/>
+          <a:stretch>
+            <a:fillRect/>
+          </a:stretch>
+        </p:blipFill>
+        <p:spPr>
+          <a:xfrm>
+            <a:off x="9921516" y="189752"/>
+            <a:ext cx="2049596" cy="661760"/>
+          </a:xfrm>
+          <a:prstGeom prst="rect">
+            <a:avLst/>
+          </a:prstGeom>
+        </p:spPr>
+      </p:pic>
+      <p:pic>
+        <p:nvPicPr>
+          <p:cNvPr id="4" name="Picture 3">
+            <a:extLst>
+              <a:ext uri="{FF2B5EF4-FFF2-40B4-BE49-F238E27FC236}">
+                <a16:creationId xmlns:a16="http://schemas.microsoft.com/office/drawing/2014/main" id="{B0C82C1A-A754-D3CC-9B4F-2AF0B5595C61}"/>
+              </a:ext>
+            </a:extLst>
+          </p:cNvPr>
+          <p:cNvPicPr>
+            <a:picLocks noChangeAspect="1"/>
+          </p:cNvPicPr>
+          <p:nvPr/>
+        </p:nvPicPr>
+        <p:blipFill>
+          <a:blip r:embed="rId4"/>
+          <a:stretch>
+            <a:fillRect/>
+          </a:stretch>
+        </p:blipFill>
+        <p:spPr>
+          <a:xfrm>
+            <a:off x="220888" y="37292"/>
+            <a:ext cx="1068416" cy="1068416"/>
+          </a:xfrm>
+          <a:prstGeom prst="rect">
+            <a:avLst/>
+          </a:prstGeom>
+        </p:spPr>
+      </p:pic>
+      <p:pic>
+        <p:nvPicPr>
+          <p:cNvPr id="14" name="Picture 13">
+            <a:extLst>
+              <a:ext uri="{FF2B5EF4-FFF2-40B4-BE49-F238E27FC236}">
+                <a16:creationId xmlns:a16="http://schemas.microsoft.com/office/drawing/2014/main" id="{ADCE9ED3-464E-1184-72B0-1FD5CF54CBB9}"/>
+              </a:ext>
+            </a:extLst>
+          </p:cNvPr>
+          <p:cNvPicPr>
+            <a:picLocks noChangeAspect="1"/>
+          </p:cNvPicPr>
+          <p:nvPr/>
+        </p:nvPicPr>
+        <p:blipFill>
+          <a:blip r:embed="rId5"/>
+          <a:stretch>
+            <a:fillRect/>
+          </a:stretch>
+        </p:blipFill>
+        <p:spPr>
+          <a:xfrm>
+            <a:off x="1304664" y="571500"/>
+            <a:ext cx="9744768" cy="5688920"/>
+          </a:xfrm>
+          <a:prstGeom prst="rect">
+            <a:avLst/>
+          </a:prstGeom>
+        </p:spPr>
+      </p:pic>
+      <p:sp>
+        <p:nvSpPr>
+          <p:cNvPr id="15" name="TextBox 14">
+            <a:extLst>
+              <a:ext uri="{FF2B5EF4-FFF2-40B4-BE49-F238E27FC236}">
+                <a16:creationId xmlns:a16="http://schemas.microsoft.com/office/drawing/2014/main" id="{C9B6E699-0DF4-C115-CDC8-FF4B593BFCD3}"/>
+              </a:ext>
+            </a:extLst>
+          </p:cNvPr>
+          <p:cNvSpPr txBox="1"/>
+          <p:nvPr/>
+        </p:nvSpPr>
+        <p:spPr>
+          <a:xfrm>
+            <a:off x="8917896" y="5574309"/>
+            <a:ext cx="3685032" cy="646331"/>
+          </a:xfrm>
+          <a:prstGeom prst="rect">
+            <a:avLst/>
+          </a:prstGeom>
+          <a:noFill/>
+        </p:spPr>
+        <p:txBody>
+          <a:bodyPr wrap="square" rtlCol="0">
+            <a:spAutoFit/>
+          </a:bodyPr>
+          <a:lstStyle/>
+          <a:p>
+            <a:r>
+              <a:rPr lang="en-US" b="1" dirty="0">
+                <a:solidFill>
+                  <a:srgbClr val="002060"/>
+                </a:solidFill>
+              </a:rPr>
+              <a:t>---FROM </a:t>
+            </a:r>
+          </a:p>
+          <a:p>
+            <a:r>
+              <a:rPr lang="en-US" b="1" dirty="0">
+                <a:solidFill>
+                  <a:srgbClr val="002060"/>
+                </a:solidFill>
+              </a:rPr>
+              <a:t>	SKY HIGH CODERS</a:t>
+            </a:r>
+            <a:endParaRPr lang="en-IN" b="1" dirty="0">
+              <a:solidFill>
+                <a:srgbClr val="002060"/>
+              </a:solidFill>
+            </a:endParaRPr>
+          </a:p>
+        </p:txBody>
+      </p:sp>
+    </p:spTree>
+    <p:extLst>
+      <p:ext uri="{BB962C8B-B14F-4D97-AF65-F5344CB8AC3E}">
+        <p14:creationId xmlns:p14="http://schemas.microsoft.com/office/powerpoint/2010/main" val="1903698606"/>
+      </p:ext>
+    </p:extLst>
+  </p:cSld>
+  <p:clrMapOvr>
+    <a:masterClrMapping/>
+  </p:clrMapOvr>
+</p:sld>
+</file>
+
 <file path=ppt/slides/slide2.xml><?xml version="1.0" encoding="utf-8"?>
 <p:sld xmlns:a="http://schemas.openxmlformats.org/drawingml/2006/main" xmlns:r="http://schemas.openxmlformats.org/officeDocument/2006/relationships" xmlns:p="http://schemas.openxmlformats.org/presentationml/2006/main">
   <p:cSld>
@@ -6863,102 +7599,6 @@
       </p:sp>
       <p:pic>
         <p:nvPicPr>
-          <p:cNvPr id="1028" name="Picture 4">
-            <a:extLst>
-              <a:ext uri="{FF2B5EF4-FFF2-40B4-BE49-F238E27FC236}">
-                <a16:creationId xmlns:a16="http://schemas.microsoft.com/office/drawing/2014/main" id="{40640075-505D-0505-9B2A-141C84F76E14}"/>
-              </a:ext>
-            </a:extLst>
-          </p:cNvPr>
-          <p:cNvPicPr>
-            <a:picLocks noChangeAspect="1" noChangeArrowheads="1"/>
-          </p:cNvPicPr>
-          <p:nvPr/>
-        </p:nvPicPr>
-        <p:blipFill>
-          <a:blip r:embed="rId4">
-            <a:extLst>
-              <a:ext uri="{28A0092B-C50C-407E-A947-70E740481C1C}">
-                <a14:useLocalDpi xmlns:a14="http://schemas.microsoft.com/office/drawing/2010/main" val="0"/>
-              </a:ext>
-            </a:extLst>
-          </a:blip>
-          <a:srcRect/>
-          <a:stretch>
-            <a:fillRect/>
-          </a:stretch>
-        </p:blipFill>
-        <p:spPr bwMode="auto">
-          <a:xfrm>
-            <a:off x="6635496" y="2566361"/>
-            <a:ext cx="5143500" cy="3429000"/>
-          </a:xfrm>
-          <a:prstGeom prst="rect">
-            <a:avLst/>
-          </a:prstGeom>
-          <a:noFill/>
-          <a:extLst>
-            <a:ext uri="{909E8E84-426E-40DD-AFC4-6F175D3DCCD1}">
-              <a14:hiddenFill xmlns:a14="http://schemas.microsoft.com/office/drawing/2010/main">
-                <a:solidFill>
-                  <a:srgbClr val="FFFFFF"/>
-                </a:solidFill>
-              </a14:hiddenFill>
-            </a:ext>
-          </a:extLst>
-        </p:spPr>
-      </p:pic>
-      <p:sp>
-        <p:nvSpPr>
-          <p:cNvPr id="12" name="TextBox 11">
-            <a:extLst>
-              <a:ext uri="{FF2B5EF4-FFF2-40B4-BE49-F238E27FC236}">
-                <a16:creationId xmlns:a16="http://schemas.microsoft.com/office/drawing/2014/main" id="{30F45559-32EC-F1C4-EB14-1CE9089C9588}"/>
-              </a:ext>
-            </a:extLst>
-          </p:cNvPr>
-          <p:cNvSpPr txBox="1"/>
-          <p:nvPr/>
-        </p:nvSpPr>
-        <p:spPr>
-          <a:xfrm>
-            <a:off x="6635496" y="3172250"/>
-            <a:ext cx="6094476" cy="430887"/>
-          </a:xfrm>
-          <a:prstGeom prst="rect">
-            <a:avLst/>
-          </a:prstGeom>
-          <a:noFill/>
-        </p:spPr>
-        <p:txBody>
-          <a:bodyPr wrap="square">
-            <a:spAutoFit/>
-          </a:bodyPr>
-          <a:lstStyle/>
-          <a:p>
-            <a:pPr marL="285750" indent="-285750">
-              <a:buFont typeface="Wingdings" panose="05000000000000000000" pitchFamily="2" charset="2"/>
-              <a:buChar char="Ø"/>
-            </a:pPr>
-            <a:r>
-              <a:rPr lang="en-IN" sz="2200" b="1" i="1" dirty="0">
-                <a:latin typeface="Times New Roman" panose="02020603050405020304" pitchFamily="18" charset="0"/>
-                <a:cs typeface="Times New Roman" panose="02020603050405020304" pitchFamily="18" charset="0"/>
-              </a:rPr>
-              <a:t>Prototype Flow</a:t>
-            </a:r>
-            <a:r>
-              <a:rPr lang="en-IN" sz="2200" i="1" dirty="0">
-                <a:latin typeface="Times New Roman" panose="02020603050405020304" pitchFamily="18" charset="0"/>
-                <a:cs typeface="Times New Roman" panose="02020603050405020304" pitchFamily="18" charset="0"/>
-              </a:rPr>
-              <a:t> </a:t>
-            </a:r>
-          </a:p>
-        </p:txBody>
-      </p:sp>
-      <p:pic>
-        <p:nvPicPr>
           <p:cNvPr id="3" name="Picture 2">
             <a:extLst>
               <a:ext uri="{FF2B5EF4-FFF2-40B4-BE49-F238E27FC236}">
@@ -6972,7 +7612,7 @@
           <p:nvPr/>
         </p:nvPicPr>
         <p:blipFill>
-          <a:blip r:embed="rId5"/>
+          <a:blip r:embed="rId4"/>
           <a:stretch>
             <a:fillRect/>
           </a:stretch>
@@ -7450,476 +8090,6 @@
           </a:p>
         </p:txBody>
       </p:sp>
-      <p:sp>
-        <p:nvSpPr>
-          <p:cNvPr id="3" name="TextBox 2">
-            <a:extLst>
-              <a:ext uri="{FF2B5EF4-FFF2-40B4-BE49-F238E27FC236}">
-                <a16:creationId xmlns:a16="http://schemas.microsoft.com/office/drawing/2014/main" id="{61B07F98-9703-DE79-64F2-BE7FC575B9EC}"/>
-              </a:ext>
-            </a:extLst>
-          </p:cNvPr>
-          <p:cNvSpPr txBox="1"/>
-          <p:nvPr/>
-        </p:nvSpPr>
-        <p:spPr>
-          <a:xfrm>
-            <a:off x="466344" y="2972564"/>
-            <a:ext cx="5477256" cy="430887"/>
-          </a:xfrm>
-          <a:prstGeom prst="rect">
-            <a:avLst/>
-          </a:prstGeom>
-          <a:noFill/>
-        </p:spPr>
-        <p:txBody>
-          <a:bodyPr wrap="square" rtlCol="0">
-            <a:spAutoFit/>
-          </a:bodyPr>
-          <a:lstStyle/>
-          <a:p>
-            <a:pPr marL="285750" indent="-285750">
-              <a:buFont typeface="Wingdings" panose="05000000000000000000" pitchFamily="2" charset="2"/>
-              <a:buChar char="v"/>
-            </a:pPr>
-            <a:r>
-              <a:rPr lang="en-US" sz="2200" b="1" dirty="0">
-                <a:latin typeface="Times New Roman" panose="02020603050405020304" pitchFamily="18" charset="0"/>
-                <a:cs typeface="Times New Roman" panose="02020603050405020304" pitchFamily="18" charset="0"/>
-              </a:rPr>
-              <a:t>Advantages</a:t>
-            </a:r>
-          </a:p>
-        </p:txBody>
-      </p:sp>
-      <p:sp>
-        <p:nvSpPr>
-          <p:cNvPr id="15" name="TextBox 14">
-            <a:extLst>
-              <a:ext uri="{FF2B5EF4-FFF2-40B4-BE49-F238E27FC236}">
-                <a16:creationId xmlns:a16="http://schemas.microsoft.com/office/drawing/2014/main" id="{AF28E5C4-F9DC-36CB-EDEE-F45AD6A83C16}"/>
-              </a:ext>
-            </a:extLst>
-          </p:cNvPr>
-          <p:cNvSpPr txBox="1"/>
-          <p:nvPr/>
-        </p:nvSpPr>
-        <p:spPr>
-          <a:xfrm>
-            <a:off x="6248402" y="2972564"/>
-            <a:ext cx="5477256" cy="430887"/>
-          </a:xfrm>
-          <a:prstGeom prst="rect">
-            <a:avLst/>
-          </a:prstGeom>
-          <a:noFill/>
-        </p:spPr>
-        <p:txBody>
-          <a:bodyPr wrap="square" rtlCol="0">
-            <a:spAutoFit/>
-          </a:bodyPr>
-          <a:lstStyle/>
-          <a:p>
-            <a:pPr marL="285750" indent="-285750">
-              <a:buFont typeface="Wingdings" panose="05000000000000000000" pitchFamily="2" charset="2"/>
-              <a:buChar char="v"/>
-            </a:pPr>
-            <a:r>
-              <a:rPr lang="en-US" sz="2200" b="1" dirty="0">
-                <a:latin typeface="Times New Roman" panose="02020603050405020304" pitchFamily="18" charset="0"/>
-                <a:cs typeface="Times New Roman" panose="02020603050405020304" pitchFamily="18" charset="0"/>
-              </a:rPr>
-              <a:t>Disadvantages</a:t>
-            </a:r>
-            <a:endParaRPr lang="en-IN" sz="2200" b="1" dirty="0">
-              <a:latin typeface="Times New Roman" panose="02020603050405020304" pitchFamily="18" charset="0"/>
-              <a:cs typeface="Times New Roman" panose="02020603050405020304" pitchFamily="18" charset="0"/>
-            </a:endParaRPr>
-          </a:p>
-        </p:txBody>
-      </p:sp>
-      <p:sp>
-        <p:nvSpPr>
-          <p:cNvPr id="11" name="TextBox 10">
-            <a:extLst>
-              <a:ext uri="{FF2B5EF4-FFF2-40B4-BE49-F238E27FC236}">
-                <a16:creationId xmlns:a16="http://schemas.microsoft.com/office/drawing/2014/main" id="{4C5FEDB3-F291-A81C-2D80-015FC764A2E2}"/>
-              </a:ext>
-            </a:extLst>
-          </p:cNvPr>
-          <p:cNvSpPr txBox="1"/>
-          <p:nvPr/>
-        </p:nvSpPr>
-        <p:spPr>
-          <a:xfrm>
-            <a:off x="547273" y="3341896"/>
-            <a:ext cx="4794504" cy="2535566"/>
-          </a:xfrm>
-          <a:prstGeom prst="rect">
-            <a:avLst/>
-          </a:prstGeom>
-          <a:noFill/>
-        </p:spPr>
-        <p:txBody>
-          <a:bodyPr wrap="square">
-            <a:spAutoFit/>
-          </a:bodyPr>
-          <a:lstStyle/>
-          <a:p>
-            <a:pPr marL="285750" marR="0" lvl="0" indent="-285750" algn="l" defTabSz="914400" rtl="0" eaLnBrk="0" fontAlgn="base" latinLnBrk="0" hangingPunct="0">
-              <a:lnSpc>
-                <a:spcPct val="150000"/>
-              </a:lnSpc>
-              <a:spcBef>
-                <a:spcPct val="0"/>
-              </a:spcBef>
-              <a:spcAft>
-                <a:spcPct val="0"/>
-              </a:spcAft>
-              <a:buClrTx/>
-              <a:buSzTx/>
-              <a:buFont typeface="Arial" panose="020B0604020202020204" pitchFamily="34" charset="0"/>
-              <a:buChar char="•"/>
-              <a:tabLst/>
-            </a:pPr>
-            <a:r>
-              <a:rPr kumimoji="0" lang="en-US" altLang="en-US" sz="1800" b="0" i="0" u="none" strike="noStrike" cap="none" normalizeH="0" baseline="0" dirty="0">
-                <a:ln>
-                  <a:noFill/>
-                </a:ln>
-                <a:solidFill>
-                  <a:schemeClr val="tx1"/>
-                </a:solidFill>
-                <a:effectLst/>
-                <a:latin typeface="Times New Roman" panose="02020603050405020304" pitchFamily="18" charset="0"/>
-                <a:cs typeface="Times New Roman" panose="02020603050405020304" pitchFamily="18" charset="0"/>
-              </a:rPr>
-              <a:t>Truly random – cannot be predicted or reproduced</a:t>
-            </a:r>
-            <a:endParaRPr lang="en-US" altLang="en-US" dirty="0">
-              <a:latin typeface="Times New Roman" panose="02020603050405020304" pitchFamily="18" charset="0"/>
-              <a:cs typeface="Times New Roman" panose="02020603050405020304" pitchFamily="18" charset="0"/>
-            </a:endParaRPr>
-          </a:p>
-          <a:p>
-            <a:pPr marL="285750" marR="0" lvl="0" indent="-285750" algn="l" defTabSz="914400" rtl="0" eaLnBrk="0" fontAlgn="base" latinLnBrk="0" hangingPunct="0">
-              <a:lnSpc>
-                <a:spcPct val="150000"/>
-              </a:lnSpc>
-              <a:spcBef>
-                <a:spcPct val="0"/>
-              </a:spcBef>
-              <a:spcAft>
-                <a:spcPct val="0"/>
-              </a:spcAft>
-              <a:buClrTx/>
-              <a:buSzTx/>
-              <a:buFont typeface="Arial" panose="020B0604020202020204" pitchFamily="34" charset="0"/>
-              <a:buChar char="•"/>
-              <a:tabLst/>
-            </a:pPr>
-            <a:r>
-              <a:rPr kumimoji="0" lang="en-US" altLang="en-US" sz="1800" b="0" i="0" u="none" strike="noStrike" cap="none" normalizeH="0" baseline="0" dirty="0">
-                <a:ln>
-                  <a:noFill/>
-                </a:ln>
-                <a:solidFill>
-                  <a:schemeClr val="tx1"/>
-                </a:solidFill>
-                <a:effectLst/>
-                <a:latin typeface="Times New Roman" panose="02020603050405020304" pitchFamily="18" charset="0"/>
-                <a:cs typeface="Times New Roman" panose="02020603050405020304" pitchFamily="18" charset="0"/>
-              </a:rPr>
-              <a:t>Full security – no algorithm, no patterns</a:t>
-            </a:r>
-          </a:p>
-          <a:p>
-            <a:pPr marL="285750" marR="0" lvl="0" indent="-285750" algn="l" defTabSz="914400" rtl="0" eaLnBrk="0" fontAlgn="base" latinLnBrk="0" hangingPunct="0">
-              <a:lnSpc>
-                <a:spcPct val="150000"/>
-              </a:lnSpc>
-              <a:spcBef>
-                <a:spcPct val="0"/>
-              </a:spcBef>
-              <a:spcAft>
-                <a:spcPct val="0"/>
-              </a:spcAft>
-              <a:buClrTx/>
-              <a:buSzTx/>
-              <a:buFont typeface="Arial" panose="020B0604020202020204" pitchFamily="34" charset="0"/>
-              <a:buChar char="•"/>
-              <a:tabLst/>
-            </a:pPr>
-            <a:r>
-              <a:rPr kumimoji="0" lang="en-US" altLang="en-US" sz="1800" b="0" i="0" u="none" strike="noStrike" cap="none" normalizeH="0" baseline="0" dirty="0">
-                <a:ln>
-                  <a:noFill/>
-                </a:ln>
-                <a:solidFill>
-                  <a:schemeClr val="tx1"/>
-                </a:solidFill>
-                <a:effectLst/>
-                <a:latin typeface="Times New Roman" panose="02020603050405020304" pitchFamily="18" charset="0"/>
-                <a:cs typeface="Times New Roman" panose="02020603050405020304" pitchFamily="18" charset="0"/>
-              </a:rPr>
-              <a:t>Open source – can integrate into any platform</a:t>
-            </a:r>
-          </a:p>
-          <a:p>
-            <a:pPr marL="285750" marR="0" lvl="0" indent="-285750" algn="l" defTabSz="914400" rtl="0" eaLnBrk="0" fontAlgn="base" latinLnBrk="0" hangingPunct="0">
-              <a:lnSpc>
-                <a:spcPct val="150000"/>
-              </a:lnSpc>
-              <a:spcBef>
-                <a:spcPct val="0"/>
-              </a:spcBef>
-              <a:spcAft>
-                <a:spcPct val="0"/>
-              </a:spcAft>
-              <a:buClrTx/>
-              <a:buSzTx/>
-              <a:buFont typeface="Arial" panose="020B0604020202020204" pitchFamily="34" charset="0"/>
-              <a:buChar char="•"/>
-              <a:tabLst/>
-            </a:pPr>
-            <a:r>
-              <a:rPr kumimoji="0" lang="en-US" altLang="en-US" sz="1800" b="0" i="0" u="none" strike="noStrike" cap="none" normalizeH="0" baseline="0" dirty="0">
-                <a:ln>
-                  <a:noFill/>
-                </a:ln>
-                <a:solidFill>
-                  <a:schemeClr val="tx1"/>
-                </a:solidFill>
-                <a:effectLst/>
-                <a:latin typeface="Times New Roman" panose="02020603050405020304" pitchFamily="18" charset="0"/>
-                <a:cs typeface="Times New Roman" panose="02020603050405020304" pitchFamily="18" charset="0"/>
-              </a:rPr>
-              <a:t>Bias-free randomness for reliable results</a:t>
-            </a:r>
-          </a:p>
-          <a:p>
-            <a:pPr marL="285750" marR="0" lvl="0" indent="-285750" algn="l" defTabSz="914400" rtl="0" eaLnBrk="0" fontAlgn="base" latinLnBrk="0" hangingPunct="0">
-              <a:lnSpc>
-                <a:spcPct val="150000"/>
-              </a:lnSpc>
-              <a:spcBef>
-                <a:spcPct val="0"/>
-              </a:spcBef>
-              <a:spcAft>
-                <a:spcPct val="0"/>
-              </a:spcAft>
-              <a:buClrTx/>
-              <a:buSzTx/>
-              <a:buFont typeface="Arial" panose="020B0604020202020204" pitchFamily="34" charset="0"/>
-              <a:buChar char="•"/>
-              <a:tabLst/>
-            </a:pPr>
-            <a:r>
-              <a:rPr kumimoji="0" lang="en-US" altLang="en-US" sz="1800" b="0" i="0" u="none" strike="noStrike" cap="none" normalizeH="0" baseline="0" dirty="0">
-                <a:ln>
-                  <a:noFill/>
-                </a:ln>
-                <a:solidFill>
-                  <a:schemeClr val="tx1"/>
-                </a:solidFill>
-                <a:effectLst/>
-                <a:latin typeface="Times New Roman" panose="02020603050405020304" pitchFamily="18" charset="0"/>
-                <a:cs typeface="Times New Roman" panose="02020603050405020304" pitchFamily="18" charset="0"/>
-              </a:rPr>
-              <a:t>Future-ready for AI, IoT, blockchain</a:t>
-            </a:r>
-          </a:p>
-        </p:txBody>
-      </p:sp>
-      <p:sp>
-        <p:nvSpPr>
-          <p:cNvPr id="14" name="TextBox 13">
-            <a:extLst>
-              <a:ext uri="{FF2B5EF4-FFF2-40B4-BE49-F238E27FC236}">
-                <a16:creationId xmlns:a16="http://schemas.microsoft.com/office/drawing/2014/main" id="{3CA8341C-D085-6474-0755-2133E968BF94}"/>
-              </a:ext>
-            </a:extLst>
-          </p:cNvPr>
-          <p:cNvSpPr txBox="1"/>
-          <p:nvPr/>
-        </p:nvSpPr>
-        <p:spPr>
-          <a:xfrm>
-            <a:off x="6412230" y="3429000"/>
-            <a:ext cx="6094476" cy="2120068"/>
-          </a:xfrm>
-          <a:prstGeom prst="rect">
-            <a:avLst/>
-          </a:prstGeom>
-          <a:noFill/>
-        </p:spPr>
-        <p:txBody>
-          <a:bodyPr wrap="square">
-            <a:spAutoFit/>
-          </a:bodyPr>
-          <a:lstStyle/>
-          <a:p>
-            <a:pPr marL="285750" marR="0" lvl="0" indent="-285750" algn="l" defTabSz="914400" rtl="0" eaLnBrk="0" fontAlgn="base" latinLnBrk="0" hangingPunct="0">
-              <a:lnSpc>
-                <a:spcPct val="150000"/>
-              </a:lnSpc>
-              <a:spcBef>
-                <a:spcPct val="0"/>
-              </a:spcBef>
-              <a:spcAft>
-                <a:spcPct val="0"/>
-              </a:spcAft>
-              <a:buClrTx/>
-              <a:buSzTx/>
-              <a:buFont typeface="Arial" panose="020B0604020202020204" pitchFamily="34" charset="0"/>
-              <a:buChar char="•"/>
-              <a:tabLst/>
-            </a:pPr>
-            <a:r>
-              <a:rPr kumimoji="0" lang="en-US" altLang="en-US" sz="1800" b="0" i="0" u="none" strike="noStrike" cap="none" normalizeH="0" baseline="0" dirty="0">
-                <a:ln>
-                  <a:noFill/>
-                </a:ln>
-                <a:solidFill>
-                  <a:schemeClr val="tx1"/>
-                </a:solidFill>
-                <a:effectLst/>
-                <a:latin typeface="Times New Roman" panose="02020603050405020304" pitchFamily="18" charset="0"/>
-                <a:cs typeface="Times New Roman" panose="02020603050405020304" pitchFamily="18" charset="0"/>
-              </a:rPr>
-              <a:t>Time consuming to generate fully secure random numbers</a:t>
-            </a:r>
-          </a:p>
-          <a:p>
-            <a:pPr marL="285750" marR="0" lvl="0" indent="-285750" algn="l" defTabSz="914400" rtl="0" eaLnBrk="0" fontAlgn="base" latinLnBrk="0" hangingPunct="0">
-              <a:lnSpc>
-                <a:spcPct val="150000"/>
-              </a:lnSpc>
-              <a:spcBef>
-                <a:spcPct val="0"/>
-              </a:spcBef>
-              <a:spcAft>
-                <a:spcPct val="0"/>
-              </a:spcAft>
-              <a:buClrTx/>
-              <a:buSzTx/>
-              <a:buFont typeface="Arial" panose="020B0604020202020204" pitchFamily="34" charset="0"/>
-              <a:buChar char="•"/>
-              <a:tabLst/>
-            </a:pPr>
-            <a:r>
-              <a:rPr kumimoji="0" lang="en-US" altLang="en-US" sz="1800" b="0" i="0" u="none" strike="noStrike" cap="none" normalizeH="0" baseline="0" dirty="0">
-                <a:ln>
-                  <a:noFill/>
-                </a:ln>
-                <a:solidFill>
-                  <a:schemeClr val="tx1"/>
-                </a:solidFill>
-                <a:effectLst/>
-                <a:latin typeface="Times New Roman" panose="02020603050405020304" pitchFamily="18" charset="0"/>
-                <a:cs typeface="Times New Roman" panose="02020603050405020304" pitchFamily="18" charset="0"/>
-              </a:rPr>
-              <a:t>May depend on specialized quantum hardware</a:t>
-            </a:r>
-          </a:p>
-          <a:p>
-            <a:pPr marL="285750" marR="0" lvl="0" indent="-285750" algn="l" defTabSz="914400" rtl="0" eaLnBrk="0" fontAlgn="base" latinLnBrk="0" hangingPunct="0">
-              <a:lnSpc>
-                <a:spcPct val="150000"/>
-              </a:lnSpc>
-              <a:spcBef>
-                <a:spcPct val="0"/>
-              </a:spcBef>
-              <a:spcAft>
-                <a:spcPct val="0"/>
-              </a:spcAft>
-              <a:buClrTx/>
-              <a:buSzTx/>
-              <a:buFont typeface="Arial" panose="020B0604020202020204" pitchFamily="34" charset="0"/>
-              <a:buChar char="•"/>
-              <a:tabLst/>
-            </a:pPr>
-            <a:r>
-              <a:rPr kumimoji="0" lang="en-US" altLang="en-US" sz="1800" b="0" i="0" u="none" strike="noStrike" cap="none" normalizeH="0" baseline="0" dirty="0">
-                <a:ln>
-                  <a:noFill/>
-                </a:ln>
-                <a:solidFill>
-                  <a:schemeClr val="tx1"/>
-                </a:solidFill>
-                <a:effectLst/>
-                <a:latin typeface="Times New Roman" panose="02020603050405020304" pitchFamily="18" charset="0"/>
-                <a:cs typeface="Times New Roman" panose="02020603050405020304" pitchFamily="18" charset="0"/>
-              </a:rPr>
-              <a:t>Scalability challenges for large-scale use</a:t>
-            </a:r>
-          </a:p>
-          <a:p>
-            <a:pPr marL="285750" marR="0" lvl="0" indent="-285750" algn="l" defTabSz="914400" rtl="0" eaLnBrk="0" fontAlgn="base" latinLnBrk="0" hangingPunct="0">
-              <a:lnSpc>
-                <a:spcPct val="150000"/>
-              </a:lnSpc>
-              <a:spcBef>
-                <a:spcPct val="0"/>
-              </a:spcBef>
-              <a:spcAft>
-                <a:spcPct val="0"/>
-              </a:spcAft>
-              <a:buClrTx/>
-              <a:buSzTx/>
-              <a:buFont typeface="Arial" panose="020B0604020202020204" pitchFamily="34" charset="0"/>
-              <a:buChar char="•"/>
-              <a:tabLst/>
-            </a:pPr>
-            <a:r>
-              <a:rPr kumimoji="0" lang="en-US" altLang="en-US" sz="1800" b="0" i="0" u="none" strike="noStrike" cap="none" normalizeH="0" baseline="0" dirty="0">
-                <a:ln>
-                  <a:noFill/>
-                </a:ln>
-                <a:solidFill>
-                  <a:schemeClr val="tx1"/>
-                </a:solidFill>
-                <a:effectLst/>
-                <a:latin typeface="Times New Roman" panose="02020603050405020304" pitchFamily="18" charset="0"/>
-                <a:cs typeface="Times New Roman" panose="02020603050405020304" pitchFamily="18" charset="0"/>
-              </a:rPr>
-              <a:t>Higher cost compared to free PRNGs</a:t>
-            </a:r>
-          </a:p>
-          <a:p>
-            <a:pPr marL="285750" marR="0" lvl="0" indent="-285750" algn="l" defTabSz="914400" rtl="0" eaLnBrk="0" fontAlgn="base" latinLnBrk="0" hangingPunct="0">
-              <a:lnSpc>
-                <a:spcPct val="150000"/>
-              </a:lnSpc>
-              <a:spcBef>
-                <a:spcPct val="0"/>
-              </a:spcBef>
-              <a:spcAft>
-                <a:spcPct val="0"/>
-              </a:spcAft>
-              <a:buClrTx/>
-              <a:buSzTx/>
-              <a:buFont typeface="Arial" panose="020B0604020202020204" pitchFamily="34" charset="0"/>
-              <a:buChar char="•"/>
-              <a:tabLst/>
-            </a:pPr>
-            <a:r>
-              <a:rPr kumimoji="0" lang="en-US" altLang="en-US" sz="1800" b="0" i="0" u="none" strike="noStrike" cap="none" normalizeH="0" baseline="0" dirty="0">
-                <a:ln>
-                  <a:noFill/>
-                </a:ln>
-                <a:solidFill>
-                  <a:schemeClr val="tx1"/>
-                </a:solidFill>
-                <a:effectLst/>
-                <a:latin typeface="Times New Roman" panose="02020603050405020304" pitchFamily="18" charset="0"/>
-                <a:cs typeface="Times New Roman" panose="02020603050405020304" pitchFamily="18" charset="0"/>
-              </a:rPr>
-              <a:t>Still not widely standardized or adopted</a:t>
-            </a:r>
-          </a:p>
-        </p:txBody>
-      </p:sp>
       <p:pic>
         <p:nvPicPr>
           <p:cNvPr id="5" name="Picture 4">
@@ -7950,6 +8120,102 @@
           </a:prstGeom>
         </p:spPr>
       </p:pic>
+      <p:pic>
+        <p:nvPicPr>
+          <p:cNvPr id="1028" name="Picture 4">
+            <a:extLst>
+              <a:ext uri="{FF2B5EF4-FFF2-40B4-BE49-F238E27FC236}">
+                <a16:creationId xmlns:a16="http://schemas.microsoft.com/office/drawing/2014/main" id="{40640075-505D-0505-9B2A-141C84F76E14}"/>
+              </a:ext>
+            </a:extLst>
+          </p:cNvPr>
+          <p:cNvPicPr>
+            <a:picLocks noChangeAspect="1" noChangeArrowheads="1"/>
+          </p:cNvPicPr>
+          <p:nvPr/>
+        </p:nvPicPr>
+        <p:blipFill>
+          <a:blip r:embed="rId5">
+            <a:extLst>
+              <a:ext uri="{28A0092B-C50C-407E-A947-70E740481C1C}">
+                <a14:useLocalDpi xmlns:a14="http://schemas.microsoft.com/office/drawing/2010/main" val="0"/>
+              </a:ext>
+            </a:extLst>
+          </a:blip>
+          <a:srcRect/>
+          <a:stretch>
+            <a:fillRect/>
+          </a:stretch>
+        </p:blipFill>
+        <p:spPr bwMode="auto">
+          <a:xfrm>
+            <a:off x="3051048" y="2825638"/>
+            <a:ext cx="5143500" cy="3429000"/>
+          </a:xfrm>
+          <a:prstGeom prst="rect">
+            <a:avLst/>
+          </a:prstGeom>
+          <a:noFill/>
+          <a:extLst>
+            <a:ext uri="{909E8E84-426E-40DD-AFC4-6F175D3DCCD1}">
+              <a14:hiddenFill xmlns:a14="http://schemas.microsoft.com/office/drawing/2010/main">
+                <a:solidFill>
+                  <a:srgbClr val="FFFFFF"/>
+                </a:solidFill>
+              </a14:hiddenFill>
+            </a:ext>
+          </a:extLst>
+        </p:spPr>
+      </p:pic>
+      <p:sp>
+        <p:nvSpPr>
+          <p:cNvPr id="12" name="TextBox 11">
+            <a:extLst>
+              <a:ext uri="{FF2B5EF4-FFF2-40B4-BE49-F238E27FC236}">
+                <a16:creationId xmlns:a16="http://schemas.microsoft.com/office/drawing/2014/main" id="{30F45559-32EC-F1C4-EB14-1CE9089C9588}"/>
+              </a:ext>
+            </a:extLst>
+          </p:cNvPr>
+          <p:cNvSpPr txBox="1"/>
+          <p:nvPr/>
+        </p:nvSpPr>
+        <p:spPr>
+          <a:xfrm>
+            <a:off x="3048761" y="3172250"/>
+            <a:ext cx="6094476" cy="430887"/>
+          </a:xfrm>
+          <a:prstGeom prst="rect">
+            <a:avLst/>
+          </a:prstGeom>
+          <a:noFill/>
+        </p:spPr>
+        <p:txBody>
+          <a:bodyPr wrap="square">
+            <a:spAutoFit/>
+          </a:bodyPr>
+          <a:lstStyle/>
+          <a:p>
+            <a:pPr marL="285750" indent="-285750">
+              <a:buFont typeface="Wingdings" panose="05000000000000000000" pitchFamily="2" charset="2"/>
+              <a:buChar char="Ø"/>
+            </a:pPr>
+            <a:r>
+              <a:rPr lang="en-IN" sz="2200" b="1" i="1" dirty="0">
+                <a:latin typeface="Times New Roman" panose="02020603050405020304" pitchFamily="18" charset="0"/>
+                <a:cs typeface="Times New Roman" panose="02020603050405020304" pitchFamily="18" charset="0"/>
+              </a:rPr>
+              <a:t>Prototype Flow</a:t>
+            </a:r>
+            <a:r>
+              <a:rPr lang="en-IN" sz="2200" i="1" dirty="0">
+                <a:latin typeface="Times New Roman" panose="02020603050405020304" pitchFamily="18" charset="0"/>
+                <a:cs typeface="Times New Roman" panose="02020603050405020304" pitchFamily="18" charset="0"/>
+              </a:rPr>
+              <a:t> </a:t>
+            </a:r>
+          </a:p>
+        </p:txBody>
+      </p:sp>
     </p:spTree>
   </p:cSld>
   <p:clrMapOvr>
@@ -7959,6 +8225,753 @@
 </file>
 
 <file path=ppt/slides/slide4.xml><?xml version="1.0" encoding="utf-8"?>
+<p:sld xmlns:a="http://schemas.openxmlformats.org/drawingml/2006/main" xmlns:r="http://schemas.openxmlformats.org/officeDocument/2006/relationships" xmlns:p="http://schemas.openxmlformats.org/presentationml/2006/main">
+  <p:cSld>
+    <p:spTree>
+      <p:nvGrpSpPr>
+        <p:cNvPr id="1" name="">
+          <a:extLst>
+            <a:ext uri="{FF2B5EF4-FFF2-40B4-BE49-F238E27FC236}">
+              <a16:creationId xmlns:a16="http://schemas.microsoft.com/office/drawing/2014/main" id="{070EFA86-508B-A926-78BD-06EAF1D8F755}"/>
+            </a:ext>
+          </a:extLst>
+        </p:cNvPr>
+        <p:cNvGrpSpPr/>
+        <p:nvPr/>
+      </p:nvGrpSpPr>
+      <p:grpSpPr>
+        <a:xfrm>
+          <a:off x="0" y="0"/>
+          <a:ext cx="0" cy="0"/>
+          <a:chOff x="0" y="0"/>
+          <a:chExt cx="0" cy="0"/>
+        </a:xfrm>
+      </p:grpSpPr>
+      <p:sp>
+        <p:nvSpPr>
+          <p:cNvPr id="10" name="Rectangle 9">
+            <a:extLst>
+              <a:ext uri="{FF2B5EF4-FFF2-40B4-BE49-F238E27FC236}">
+                <a16:creationId xmlns:a16="http://schemas.microsoft.com/office/drawing/2014/main" id="{5C30D85F-9D26-D372-8775-8D7BF7EA0CCD}"/>
+              </a:ext>
+            </a:extLst>
+          </p:cNvPr>
+          <p:cNvSpPr>
+            <a:spLocks noChangeArrowheads="1"/>
+          </p:cNvSpPr>
+          <p:nvPr/>
+        </p:nvSpPr>
+        <p:spPr bwMode="auto">
+          <a:xfrm>
+            <a:off x="0" y="6354762"/>
+            <a:ext cx="12191999" cy="503238"/>
+          </a:xfrm>
+          <a:prstGeom prst="rect">
+            <a:avLst/>
+          </a:prstGeom>
+          <a:solidFill>
+            <a:srgbClr val="0070C0"/>
+          </a:solidFill>
+          <a:ln w="9525">
+            <a:noFill/>
+            <a:miter lim="800000"/>
+            <a:headEnd/>
+            <a:tailEnd/>
+          </a:ln>
+          <a:effectLst>
+            <a:outerShdw dist="23000" dir="5400000" rotWithShape="0">
+              <a:srgbClr val="808080">
+                <a:alpha val="34999"/>
+              </a:srgbClr>
+            </a:outerShdw>
+          </a:effectLst>
+        </p:spPr>
+        <p:txBody>
+          <a:bodyPr anchor="ctr"/>
+          <a:lstStyle/>
+          <a:p>
+            <a:pPr algn="ctr" fontAlgn="auto">
+              <a:spcBef>
+                <a:spcPts val="0"/>
+              </a:spcBef>
+              <a:spcAft>
+                <a:spcPts val="0"/>
+              </a:spcAft>
+              <a:defRPr/>
+            </a:pPr>
+            <a:endParaRPr lang="en-US" dirty="0">
+              <a:solidFill>
+                <a:schemeClr val="accent2">
+                  <a:lumMod val="75000"/>
+                </a:schemeClr>
+              </a:solidFill>
+              <a:latin typeface="+mn-lt"/>
+              <a:ea typeface="+mn-ea"/>
+            </a:endParaRPr>
+          </a:p>
+        </p:txBody>
+      </p:sp>
+      <p:sp>
+        <p:nvSpPr>
+          <p:cNvPr id="17409" name="Title 1">
+            <a:extLst>
+              <a:ext uri="{FF2B5EF4-FFF2-40B4-BE49-F238E27FC236}">
+                <a16:creationId xmlns:a16="http://schemas.microsoft.com/office/drawing/2014/main" id="{5A9DCC84-B1CC-B410-B2F9-2ECCFBCEF73E}"/>
+              </a:ext>
+            </a:extLst>
+          </p:cNvPr>
+          <p:cNvSpPr>
+            <a:spLocks noGrp="1"/>
+          </p:cNvSpPr>
+          <p:nvPr>
+            <p:ph type="title"/>
+          </p:nvPr>
+        </p:nvSpPr>
+        <p:spPr>
+          <a:xfrm>
+            <a:off x="326136" y="11929"/>
+            <a:ext cx="10972800" cy="1143000"/>
+          </a:xfrm>
+        </p:spPr>
+        <p:txBody>
+          <a:bodyPr/>
+          <a:lstStyle/>
+          <a:p>
+            <a:pPr eaLnBrk="1" hangingPunct="1"/>
+            <a:r>
+              <a:rPr lang="en-US" sz="3600" b="1" dirty="0">
+                <a:latin typeface="Times New Roman" panose="02020603050405020304" pitchFamily="18" charset="0"/>
+                <a:ea typeface="ＭＳ Ｐゴシック" pitchFamily="1" charset="-128"/>
+                <a:cs typeface="Times New Roman" panose="02020603050405020304" pitchFamily="18" charset="0"/>
+              </a:rPr>
+              <a:t>ADVANTAGES &amp; DISADVANTAGES</a:t>
+            </a:r>
+          </a:p>
+        </p:txBody>
+      </p:sp>
+      <p:sp>
+        <p:nvSpPr>
+          <p:cNvPr id="6" name="Slide Number Placeholder 5">
+            <a:extLst>
+              <a:ext uri="{FF2B5EF4-FFF2-40B4-BE49-F238E27FC236}">
+                <a16:creationId xmlns:a16="http://schemas.microsoft.com/office/drawing/2014/main" id="{21B7F4D1-AE72-3367-3185-390510ECAF28}"/>
+              </a:ext>
+            </a:extLst>
+          </p:cNvPr>
+          <p:cNvSpPr>
+            <a:spLocks noGrp="1"/>
+          </p:cNvSpPr>
+          <p:nvPr>
+            <p:ph type="sldNum" sz="quarter" idx="12"/>
+          </p:nvPr>
+        </p:nvSpPr>
+        <p:spPr/>
+        <p:txBody>
+          <a:bodyPr/>
+          <a:lstStyle/>
+          <a:p>
+            <a:fld id="{677C3CE7-23F7-4828-823C-E0205DF2CF97}" type="slidenum">
+              <a:rPr lang="en-US" b="1">
+                <a:solidFill>
+                  <a:schemeClr val="bg1"/>
+                </a:solidFill>
+              </a:rPr>
+              <a:pPr/>
+              <a:t>4</a:t>
+            </a:fld>
+            <a:endParaRPr lang="en-US" b="1" dirty="0">
+              <a:solidFill>
+                <a:schemeClr val="bg1"/>
+              </a:solidFill>
+            </a:endParaRPr>
+          </a:p>
+        </p:txBody>
+      </p:sp>
+      <p:sp>
+        <p:nvSpPr>
+          <p:cNvPr id="7" name="Footer Placeholder 6">
+            <a:extLst>
+              <a:ext uri="{FF2B5EF4-FFF2-40B4-BE49-F238E27FC236}">
+                <a16:creationId xmlns:a16="http://schemas.microsoft.com/office/drawing/2014/main" id="{76F23E66-05FC-18F5-C639-93B344630A55}"/>
+              </a:ext>
+            </a:extLst>
+          </p:cNvPr>
+          <p:cNvSpPr>
+            <a:spLocks noGrp="1"/>
+          </p:cNvSpPr>
+          <p:nvPr>
+            <p:ph type="ftr" sz="quarter" idx="11"/>
+          </p:nvPr>
+        </p:nvSpPr>
+        <p:spPr>
+          <a:xfrm>
+            <a:off x="4648200" y="6356353"/>
+            <a:ext cx="3204000" cy="365125"/>
+          </a:xfrm>
+        </p:spPr>
+        <p:txBody>
+          <a:bodyPr/>
+          <a:lstStyle/>
+          <a:p>
+            <a:pPr>
+              <a:defRPr/>
+            </a:pPr>
+            <a:r>
+              <a:rPr lang="en-US" dirty="0">
+                <a:solidFill>
+                  <a:schemeClr val="bg1"/>
+                </a:solidFill>
+              </a:rPr>
+              <a:t>@AQVH2025</a:t>
+            </a:r>
+          </a:p>
+        </p:txBody>
+      </p:sp>
+      <p:pic>
+        <p:nvPicPr>
+          <p:cNvPr id="2" name="Picture 1">
+            <a:extLst>
+              <a:ext uri="{FF2B5EF4-FFF2-40B4-BE49-F238E27FC236}">
+                <a16:creationId xmlns:a16="http://schemas.microsoft.com/office/drawing/2014/main" id="{798E64A2-AB94-F45A-13AF-074A100DAC6E}"/>
+              </a:ext>
+            </a:extLst>
+          </p:cNvPr>
+          <p:cNvPicPr>
+            <a:picLocks noChangeAspect="1"/>
+          </p:cNvPicPr>
+          <p:nvPr/>
+        </p:nvPicPr>
+        <p:blipFill>
+          <a:blip r:embed="rId3"/>
+          <a:srcRect l="16406" t="28869" r="23125" b="33943"/>
+          <a:stretch>
+            <a:fillRect/>
+          </a:stretch>
+        </p:blipFill>
+        <p:spPr>
+          <a:xfrm>
+            <a:off x="9921516" y="189752"/>
+            <a:ext cx="2049596" cy="661760"/>
+          </a:xfrm>
+          <a:prstGeom prst="rect">
+            <a:avLst/>
+          </a:prstGeom>
+        </p:spPr>
+      </p:pic>
+      <p:sp>
+        <p:nvSpPr>
+          <p:cNvPr id="3" name="TextBox 2">
+            <a:extLst>
+              <a:ext uri="{FF2B5EF4-FFF2-40B4-BE49-F238E27FC236}">
+                <a16:creationId xmlns:a16="http://schemas.microsoft.com/office/drawing/2014/main" id="{B857354D-B214-13CB-3662-0FE703F155AC}"/>
+              </a:ext>
+            </a:extLst>
+          </p:cNvPr>
+          <p:cNvSpPr txBox="1"/>
+          <p:nvPr/>
+        </p:nvSpPr>
+        <p:spPr>
+          <a:xfrm>
+            <a:off x="220888" y="1911402"/>
+            <a:ext cx="5477256" cy="430887"/>
+          </a:xfrm>
+          <a:prstGeom prst="rect">
+            <a:avLst/>
+          </a:prstGeom>
+          <a:noFill/>
+        </p:spPr>
+        <p:txBody>
+          <a:bodyPr wrap="square" rtlCol="0">
+            <a:spAutoFit/>
+          </a:bodyPr>
+          <a:lstStyle/>
+          <a:p>
+            <a:pPr marL="285750" indent="-285750">
+              <a:buFont typeface="Wingdings" panose="05000000000000000000" pitchFamily="2" charset="2"/>
+              <a:buChar char="v"/>
+            </a:pPr>
+            <a:r>
+              <a:rPr lang="en-US" sz="2200" b="1" dirty="0">
+                <a:latin typeface="Times New Roman" panose="02020603050405020304" pitchFamily="18" charset="0"/>
+                <a:cs typeface="Times New Roman" panose="02020603050405020304" pitchFamily="18" charset="0"/>
+              </a:rPr>
+              <a:t>Advantages</a:t>
+            </a:r>
+          </a:p>
+        </p:txBody>
+      </p:sp>
+      <p:sp>
+        <p:nvSpPr>
+          <p:cNvPr id="15" name="TextBox 14">
+            <a:extLst>
+              <a:ext uri="{FF2B5EF4-FFF2-40B4-BE49-F238E27FC236}">
+                <a16:creationId xmlns:a16="http://schemas.microsoft.com/office/drawing/2014/main" id="{299881AD-1F99-6707-0262-C756619F766C}"/>
+              </a:ext>
+            </a:extLst>
+          </p:cNvPr>
+          <p:cNvSpPr txBox="1"/>
+          <p:nvPr/>
+        </p:nvSpPr>
+        <p:spPr>
+          <a:xfrm>
+            <a:off x="6027328" y="1891925"/>
+            <a:ext cx="5477256" cy="430887"/>
+          </a:xfrm>
+          <a:prstGeom prst="rect">
+            <a:avLst/>
+          </a:prstGeom>
+          <a:noFill/>
+        </p:spPr>
+        <p:txBody>
+          <a:bodyPr wrap="square" rtlCol="0">
+            <a:spAutoFit/>
+          </a:bodyPr>
+          <a:lstStyle/>
+          <a:p>
+            <a:pPr marL="285750" indent="-285750">
+              <a:buFont typeface="Wingdings" panose="05000000000000000000" pitchFamily="2" charset="2"/>
+              <a:buChar char="v"/>
+            </a:pPr>
+            <a:r>
+              <a:rPr lang="en-US" sz="2200" b="1" dirty="0">
+                <a:latin typeface="Times New Roman" panose="02020603050405020304" pitchFamily="18" charset="0"/>
+                <a:cs typeface="Times New Roman" panose="02020603050405020304" pitchFamily="18" charset="0"/>
+              </a:rPr>
+              <a:t>Disadvantages</a:t>
+            </a:r>
+            <a:endParaRPr lang="en-IN" sz="2200" b="1" dirty="0">
+              <a:latin typeface="Times New Roman" panose="02020603050405020304" pitchFamily="18" charset="0"/>
+              <a:cs typeface="Times New Roman" panose="02020603050405020304" pitchFamily="18" charset="0"/>
+            </a:endParaRPr>
+          </a:p>
+        </p:txBody>
+      </p:sp>
+      <p:sp>
+        <p:nvSpPr>
+          <p:cNvPr id="11" name="TextBox 10">
+            <a:extLst>
+              <a:ext uri="{FF2B5EF4-FFF2-40B4-BE49-F238E27FC236}">
+                <a16:creationId xmlns:a16="http://schemas.microsoft.com/office/drawing/2014/main" id="{7D491AD9-481D-2FD0-72C6-0F2693417699}"/>
+              </a:ext>
+            </a:extLst>
+          </p:cNvPr>
+          <p:cNvSpPr txBox="1"/>
+          <p:nvPr/>
+        </p:nvSpPr>
+        <p:spPr>
+          <a:xfrm>
+            <a:off x="609600" y="2492412"/>
+            <a:ext cx="4794504" cy="2535566"/>
+          </a:xfrm>
+          <a:prstGeom prst="rect">
+            <a:avLst/>
+          </a:prstGeom>
+          <a:noFill/>
+        </p:spPr>
+        <p:txBody>
+          <a:bodyPr wrap="square">
+            <a:spAutoFit/>
+          </a:bodyPr>
+          <a:lstStyle/>
+          <a:p>
+            <a:pPr marL="285750" marR="0" lvl="0" indent="-285750" algn="l" defTabSz="914400" rtl="0" eaLnBrk="0" fontAlgn="base" latinLnBrk="0" hangingPunct="0">
+              <a:lnSpc>
+                <a:spcPct val="150000"/>
+              </a:lnSpc>
+              <a:spcBef>
+                <a:spcPct val="0"/>
+              </a:spcBef>
+              <a:spcAft>
+                <a:spcPct val="0"/>
+              </a:spcAft>
+              <a:buClrTx/>
+              <a:buSzTx/>
+              <a:buFont typeface="Arial" panose="020B0604020202020204" pitchFamily="34" charset="0"/>
+              <a:buChar char="•"/>
+              <a:tabLst/>
+            </a:pPr>
+            <a:r>
+              <a:rPr kumimoji="0" lang="en-US" altLang="en-US" sz="1800" b="0" i="0" u="none" strike="noStrike" cap="none" normalizeH="0" baseline="0" dirty="0">
+                <a:ln>
+                  <a:noFill/>
+                </a:ln>
+                <a:solidFill>
+                  <a:schemeClr val="tx1"/>
+                </a:solidFill>
+                <a:effectLst/>
+                <a:latin typeface="Times New Roman" panose="02020603050405020304" pitchFamily="18" charset="0"/>
+                <a:cs typeface="Times New Roman" panose="02020603050405020304" pitchFamily="18" charset="0"/>
+              </a:rPr>
+              <a:t>Truly random – cannot be predicted or reproduced</a:t>
+            </a:r>
+            <a:endParaRPr lang="en-US" altLang="en-US" dirty="0">
+              <a:latin typeface="Times New Roman" panose="02020603050405020304" pitchFamily="18" charset="0"/>
+              <a:cs typeface="Times New Roman" panose="02020603050405020304" pitchFamily="18" charset="0"/>
+            </a:endParaRPr>
+          </a:p>
+          <a:p>
+            <a:pPr marL="285750" marR="0" lvl="0" indent="-285750" algn="l" defTabSz="914400" rtl="0" eaLnBrk="0" fontAlgn="base" latinLnBrk="0" hangingPunct="0">
+              <a:lnSpc>
+                <a:spcPct val="150000"/>
+              </a:lnSpc>
+              <a:spcBef>
+                <a:spcPct val="0"/>
+              </a:spcBef>
+              <a:spcAft>
+                <a:spcPct val="0"/>
+              </a:spcAft>
+              <a:buClrTx/>
+              <a:buSzTx/>
+              <a:buFont typeface="Arial" panose="020B0604020202020204" pitchFamily="34" charset="0"/>
+              <a:buChar char="•"/>
+              <a:tabLst/>
+            </a:pPr>
+            <a:r>
+              <a:rPr kumimoji="0" lang="en-US" altLang="en-US" sz="1800" b="0" i="0" u="none" strike="noStrike" cap="none" normalizeH="0" baseline="0" dirty="0">
+                <a:ln>
+                  <a:noFill/>
+                </a:ln>
+                <a:solidFill>
+                  <a:schemeClr val="tx1"/>
+                </a:solidFill>
+                <a:effectLst/>
+                <a:latin typeface="Times New Roman" panose="02020603050405020304" pitchFamily="18" charset="0"/>
+                <a:cs typeface="Times New Roman" panose="02020603050405020304" pitchFamily="18" charset="0"/>
+              </a:rPr>
+              <a:t>Full security – no algorithm, no patterns</a:t>
+            </a:r>
+          </a:p>
+          <a:p>
+            <a:pPr marL="285750" marR="0" lvl="0" indent="-285750" algn="l" defTabSz="914400" rtl="0" eaLnBrk="0" fontAlgn="base" latinLnBrk="0" hangingPunct="0">
+              <a:lnSpc>
+                <a:spcPct val="150000"/>
+              </a:lnSpc>
+              <a:spcBef>
+                <a:spcPct val="0"/>
+              </a:spcBef>
+              <a:spcAft>
+                <a:spcPct val="0"/>
+              </a:spcAft>
+              <a:buClrTx/>
+              <a:buSzTx/>
+              <a:buFont typeface="Arial" panose="020B0604020202020204" pitchFamily="34" charset="0"/>
+              <a:buChar char="•"/>
+              <a:tabLst/>
+            </a:pPr>
+            <a:r>
+              <a:rPr kumimoji="0" lang="en-US" altLang="en-US" sz="1800" b="0" i="0" u="none" strike="noStrike" cap="none" normalizeH="0" baseline="0" dirty="0">
+                <a:ln>
+                  <a:noFill/>
+                </a:ln>
+                <a:solidFill>
+                  <a:schemeClr val="tx1"/>
+                </a:solidFill>
+                <a:effectLst/>
+                <a:latin typeface="Times New Roman" panose="02020603050405020304" pitchFamily="18" charset="0"/>
+                <a:cs typeface="Times New Roman" panose="02020603050405020304" pitchFamily="18" charset="0"/>
+              </a:rPr>
+              <a:t>Open source – can integrate into any platform</a:t>
+            </a:r>
+          </a:p>
+          <a:p>
+            <a:pPr marL="285750" marR="0" lvl="0" indent="-285750" algn="l" defTabSz="914400" rtl="0" eaLnBrk="0" fontAlgn="base" latinLnBrk="0" hangingPunct="0">
+              <a:lnSpc>
+                <a:spcPct val="150000"/>
+              </a:lnSpc>
+              <a:spcBef>
+                <a:spcPct val="0"/>
+              </a:spcBef>
+              <a:spcAft>
+                <a:spcPct val="0"/>
+              </a:spcAft>
+              <a:buClrTx/>
+              <a:buSzTx/>
+              <a:buFont typeface="Arial" panose="020B0604020202020204" pitchFamily="34" charset="0"/>
+              <a:buChar char="•"/>
+              <a:tabLst/>
+            </a:pPr>
+            <a:r>
+              <a:rPr kumimoji="0" lang="en-US" altLang="en-US" sz="1800" b="0" i="0" u="none" strike="noStrike" cap="none" normalizeH="0" baseline="0" dirty="0">
+                <a:ln>
+                  <a:noFill/>
+                </a:ln>
+                <a:solidFill>
+                  <a:schemeClr val="tx1"/>
+                </a:solidFill>
+                <a:effectLst/>
+                <a:latin typeface="Times New Roman" panose="02020603050405020304" pitchFamily="18" charset="0"/>
+                <a:cs typeface="Times New Roman" panose="02020603050405020304" pitchFamily="18" charset="0"/>
+              </a:rPr>
+              <a:t>Bias-free randomness for reliable results</a:t>
+            </a:r>
+          </a:p>
+          <a:p>
+            <a:pPr marL="285750" marR="0" lvl="0" indent="-285750" algn="l" defTabSz="914400" rtl="0" eaLnBrk="0" fontAlgn="base" latinLnBrk="0" hangingPunct="0">
+              <a:lnSpc>
+                <a:spcPct val="150000"/>
+              </a:lnSpc>
+              <a:spcBef>
+                <a:spcPct val="0"/>
+              </a:spcBef>
+              <a:spcAft>
+                <a:spcPct val="0"/>
+              </a:spcAft>
+              <a:buClrTx/>
+              <a:buSzTx/>
+              <a:buFont typeface="Arial" panose="020B0604020202020204" pitchFamily="34" charset="0"/>
+              <a:buChar char="•"/>
+              <a:tabLst/>
+            </a:pPr>
+            <a:r>
+              <a:rPr kumimoji="0" lang="en-US" altLang="en-US" sz="1800" b="0" i="0" u="none" strike="noStrike" cap="none" normalizeH="0" baseline="0" dirty="0">
+                <a:ln>
+                  <a:noFill/>
+                </a:ln>
+                <a:solidFill>
+                  <a:schemeClr val="tx1"/>
+                </a:solidFill>
+                <a:effectLst/>
+                <a:latin typeface="Times New Roman" panose="02020603050405020304" pitchFamily="18" charset="0"/>
+                <a:cs typeface="Times New Roman" panose="02020603050405020304" pitchFamily="18" charset="0"/>
+              </a:rPr>
+              <a:t>Future-ready for AI, IoT, blockchain</a:t>
+            </a:r>
+          </a:p>
+        </p:txBody>
+      </p:sp>
+      <p:sp>
+        <p:nvSpPr>
+          <p:cNvPr id="14" name="TextBox 13">
+            <a:extLst>
+              <a:ext uri="{FF2B5EF4-FFF2-40B4-BE49-F238E27FC236}">
+                <a16:creationId xmlns:a16="http://schemas.microsoft.com/office/drawing/2014/main" id="{D5A3CE9E-282C-88B4-02A1-A2A28E84BC26}"/>
+              </a:ext>
+            </a:extLst>
+          </p:cNvPr>
+          <p:cNvSpPr txBox="1"/>
+          <p:nvPr/>
+        </p:nvSpPr>
+        <p:spPr>
+          <a:xfrm>
+            <a:off x="6412230" y="2543103"/>
+            <a:ext cx="5558882" cy="2535566"/>
+          </a:xfrm>
+          <a:prstGeom prst="rect">
+            <a:avLst/>
+          </a:prstGeom>
+          <a:noFill/>
+        </p:spPr>
+        <p:txBody>
+          <a:bodyPr wrap="square">
+            <a:spAutoFit/>
+          </a:bodyPr>
+          <a:lstStyle/>
+          <a:p>
+            <a:pPr marL="285750" marR="0" lvl="0" indent="-285750" algn="l" defTabSz="914400" rtl="0" eaLnBrk="0" fontAlgn="base" latinLnBrk="0" hangingPunct="0">
+              <a:lnSpc>
+                <a:spcPct val="150000"/>
+              </a:lnSpc>
+              <a:spcBef>
+                <a:spcPct val="0"/>
+              </a:spcBef>
+              <a:spcAft>
+                <a:spcPct val="0"/>
+              </a:spcAft>
+              <a:buClrTx/>
+              <a:buSzTx/>
+              <a:buFont typeface="Arial" panose="020B0604020202020204" pitchFamily="34" charset="0"/>
+              <a:buChar char="•"/>
+              <a:tabLst/>
+            </a:pPr>
+            <a:r>
+              <a:rPr kumimoji="0" lang="en-US" altLang="en-US" sz="1800" b="0" i="0" u="none" strike="noStrike" cap="none" normalizeH="0" baseline="0" dirty="0">
+                <a:ln>
+                  <a:noFill/>
+                </a:ln>
+                <a:solidFill>
+                  <a:schemeClr val="tx1"/>
+                </a:solidFill>
+                <a:effectLst/>
+                <a:latin typeface="Times New Roman" panose="02020603050405020304" pitchFamily="18" charset="0"/>
+                <a:cs typeface="Times New Roman" panose="02020603050405020304" pitchFamily="18" charset="0"/>
+              </a:rPr>
+              <a:t>Time consuming to generate fully secure random numbers</a:t>
+            </a:r>
+          </a:p>
+          <a:p>
+            <a:pPr marL="285750" marR="0" lvl="0" indent="-285750" algn="l" defTabSz="914400" rtl="0" eaLnBrk="0" fontAlgn="base" latinLnBrk="0" hangingPunct="0">
+              <a:lnSpc>
+                <a:spcPct val="150000"/>
+              </a:lnSpc>
+              <a:spcBef>
+                <a:spcPct val="0"/>
+              </a:spcBef>
+              <a:spcAft>
+                <a:spcPct val="0"/>
+              </a:spcAft>
+              <a:buClrTx/>
+              <a:buSzTx/>
+              <a:buFont typeface="Arial" panose="020B0604020202020204" pitchFamily="34" charset="0"/>
+              <a:buChar char="•"/>
+              <a:tabLst/>
+            </a:pPr>
+            <a:r>
+              <a:rPr kumimoji="0" lang="en-US" altLang="en-US" sz="1800" b="0" i="0" u="none" strike="noStrike" cap="none" normalizeH="0" baseline="0" dirty="0">
+                <a:ln>
+                  <a:noFill/>
+                </a:ln>
+                <a:solidFill>
+                  <a:schemeClr val="tx1"/>
+                </a:solidFill>
+                <a:effectLst/>
+                <a:latin typeface="Times New Roman" panose="02020603050405020304" pitchFamily="18" charset="0"/>
+                <a:cs typeface="Times New Roman" panose="02020603050405020304" pitchFamily="18" charset="0"/>
+              </a:rPr>
+              <a:t>May depend on specialized quantum hardware</a:t>
+            </a:r>
+          </a:p>
+          <a:p>
+            <a:pPr marL="285750" marR="0" lvl="0" indent="-285750" algn="l" defTabSz="914400" rtl="0" eaLnBrk="0" fontAlgn="base" latinLnBrk="0" hangingPunct="0">
+              <a:lnSpc>
+                <a:spcPct val="150000"/>
+              </a:lnSpc>
+              <a:spcBef>
+                <a:spcPct val="0"/>
+              </a:spcBef>
+              <a:spcAft>
+                <a:spcPct val="0"/>
+              </a:spcAft>
+              <a:buClrTx/>
+              <a:buSzTx/>
+              <a:buFont typeface="Arial" panose="020B0604020202020204" pitchFamily="34" charset="0"/>
+              <a:buChar char="•"/>
+              <a:tabLst/>
+            </a:pPr>
+            <a:r>
+              <a:rPr kumimoji="0" lang="en-US" altLang="en-US" sz="1800" b="0" i="0" u="none" strike="noStrike" cap="none" normalizeH="0" baseline="0" dirty="0">
+                <a:ln>
+                  <a:noFill/>
+                </a:ln>
+                <a:solidFill>
+                  <a:schemeClr val="tx1"/>
+                </a:solidFill>
+                <a:effectLst/>
+                <a:latin typeface="Times New Roman" panose="02020603050405020304" pitchFamily="18" charset="0"/>
+                <a:cs typeface="Times New Roman" panose="02020603050405020304" pitchFamily="18" charset="0"/>
+              </a:rPr>
+              <a:t>Scalability challenges for large-scale use</a:t>
+            </a:r>
+          </a:p>
+          <a:p>
+            <a:pPr marL="285750" marR="0" lvl="0" indent="-285750" algn="l" defTabSz="914400" rtl="0" eaLnBrk="0" fontAlgn="base" latinLnBrk="0" hangingPunct="0">
+              <a:lnSpc>
+                <a:spcPct val="150000"/>
+              </a:lnSpc>
+              <a:spcBef>
+                <a:spcPct val="0"/>
+              </a:spcBef>
+              <a:spcAft>
+                <a:spcPct val="0"/>
+              </a:spcAft>
+              <a:buClrTx/>
+              <a:buSzTx/>
+              <a:buFont typeface="Arial" panose="020B0604020202020204" pitchFamily="34" charset="0"/>
+              <a:buChar char="•"/>
+              <a:tabLst/>
+            </a:pPr>
+            <a:r>
+              <a:rPr kumimoji="0" lang="en-US" altLang="en-US" sz="1800" b="0" i="0" u="none" strike="noStrike" cap="none" normalizeH="0" baseline="0" dirty="0">
+                <a:ln>
+                  <a:noFill/>
+                </a:ln>
+                <a:solidFill>
+                  <a:schemeClr val="tx1"/>
+                </a:solidFill>
+                <a:effectLst/>
+                <a:latin typeface="Times New Roman" panose="02020603050405020304" pitchFamily="18" charset="0"/>
+                <a:cs typeface="Times New Roman" panose="02020603050405020304" pitchFamily="18" charset="0"/>
+              </a:rPr>
+              <a:t>Higher cost compared to free PRNGs</a:t>
+            </a:r>
+          </a:p>
+          <a:p>
+            <a:pPr marL="285750" marR="0" lvl="0" indent="-285750" algn="l" defTabSz="914400" rtl="0" eaLnBrk="0" fontAlgn="base" latinLnBrk="0" hangingPunct="0">
+              <a:lnSpc>
+                <a:spcPct val="150000"/>
+              </a:lnSpc>
+              <a:spcBef>
+                <a:spcPct val="0"/>
+              </a:spcBef>
+              <a:spcAft>
+                <a:spcPct val="0"/>
+              </a:spcAft>
+              <a:buClrTx/>
+              <a:buSzTx/>
+              <a:buFont typeface="Arial" panose="020B0604020202020204" pitchFamily="34" charset="0"/>
+              <a:buChar char="•"/>
+              <a:tabLst/>
+            </a:pPr>
+            <a:r>
+              <a:rPr kumimoji="0" lang="en-US" altLang="en-US" sz="1800" b="0" i="0" u="none" strike="noStrike" cap="none" normalizeH="0" baseline="0" dirty="0">
+                <a:ln>
+                  <a:noFill/>
+                </a:ln>
+                <a:solidFill>
+                  <a:schemeClr val="tx1"/>
+                </a:solidFill>
+                <a:effectLst/>
+                <a:latin typeface="Times New Roman" panose="02020603050405020304" pitchFamily="18" charset="0"/>
+                <a:cs typeface="Times New Roman" panose="02020603050405020304" pitchFamily="18" charset="0"/>
+              </a:rPr>
+              <a:t>Still not widely standardized or adopted</a:t>
+            </a:r>
+          </a:p>
+        </p:txBody>
+      </p:sp>
+      <p:pic>
+        <p:nvPicPr>
+          <p:cNvPr id="5" name="Picture 4">
+            <a:extLst>
+              <a:ext uri="{FF2B5EF4-FFF2-40B4-BE49-F238E27FC236}">
+                <a16:creationId xmlns:a16="http://schemas.microsoft.com/office/drawing/2014/main" id="{4E45E5E3-AD3D-8DE0-4530-43A30E0C460C}"/>
+              </a:ext>
+            </a:extLst>
+          </p:cNvPr>
+          <p:cNvPicPr>
+            <a:picLocks noChangeAspect="1"/>
+          </p:cNvPicPr>
+          <p:nvPr/>
+        </p:nvPicPr>
+        <p:blipFill>
+          <a:blip r:embed="rId4"/>
+          <a:stretch>
+            <a:fillRect/>
+          </a:stretch>
+        </p:blipFill>
+        <p:spPr>
+          <a:xfrm>
+            <a:off x="220888" y="37292"/>
+            <a:ext cx="1068416" cy="1068416"/>
+          </a:xfrm>
+          <a:prstGeom prst="rect">
+            <a:avLst/>
+          </a:prstGeom>
+        </p:spPr>
+      </p:pic>
+    </p:spTree>
+    <p:extLst>
+      <p:ext uri="{BB962C8B-B14F-4D97-AF65-F5344CB8AC3E}">
+        <p14:creationId xmlns:p14="http://schemas.microsoft.com/office/powerpoint/2010/main" val="1495126564"/>
+      </p:ext>
+    </p:extLst>
+  </p:cSld>
+  <p:clrMapOvr>
+    <a:masterClrMapping/>
+  </p:clrMapOvr>
+</p:sld>
+</file>
+
+<file path=ppt/slides/slide5.xml><?xml version="1.0" encoding="utf-8"?>
 <p:sld xmlns:a="http://schemas.openxmlformats.org/drawingml/2006/main" xmlns:r="http://schemas.openxmlformats.org/officeDocument/2006/relationships" xmlns:p="http://schemas.openxmlformats.org/presentationml/2006/main">
   <p:cSld>
     <p:spTree>
@@ -8145,7 +9158,7 @@
                 <a:tabLst/>
                 <a:defRPr/>
               </a:pPr>
-              <a:t>4</a:t>
+              <a:t>5</a:t>
             </a:fld>
             <a:endParaRPr kumimoji="0" lang="en-US" sz="1200" b="1" i="0" u="none" strike="noStrike" kern="1200" cap="none" spc="0" normalizeH="0" baseline="0" noProof="0" dirty="0">
               <a:ln>
@@ -8916,7 +9929,7 @@
 </p:sld>
 </file>
 
-<file path=ppt/slides/slide5.xml><?xml version="1.0" encoding="utf-8"?>
+<file path=ppt/slides/slide6.xml><?xml version="1.0" encoding="utf-8"?>
 <p:sld xmlns:a="http://schemas.openxmlformats.org/drawingml/2006/main" xmlns:r="http://schemas.openxmlformats.org/officeDocument/2006/relationships" xmlns:p="http://schemas.openxmlformats.org/presentationml/2006/main">
   <p:cSld>
     <p:spTree>
@@ -9103,7 +10116,7 @@
                 <a:tabLst/>
                 <a:defRPr/>
               </a:pPr>
-              <a:t>5</a:t>
+              <a:t>6</a:t>
             </a:fld>
             <a:endParaRPr kumimoji="0" lang="en-US" sz="1200" b="1" i="0" u="none" strike="noStrike" kern="1200" cap="none" spc="0" normalizeH="0" baseline="0" noProof="0" dirty="0">
               <a:ln>
@@ -9750,7 +10763,7 @@
 </p:sld>
 </file>
 
-<file path=ppt/slides/slide6.xml><?xml version="1.0" encoding="utf-8"?>
+<file path=ppt/slides/slide7.xml><?xml version="1.0" encoding="utf-8"?>
 <p:sld xmlns:a="http://schemas.openxmlformats.org/drawingml/2006/main" xmlns:r="http://schemas.openxmlformats.org/officeDocument/2006/relationships" xmlns:p="http://schemas.openxmlformats.org/presentationml/2006/main">
   <p:cSld>
     <p:spTree>
@@ -9960,7 +10973,7 @@
                 <a:tabLst/>
                 <a:defRPr/>
               </a:pPr>
-              <a:t>6</a:t>
+              <a:t>7</a:t>
             </a:fld>
             <a:endParaRPr kumimoji="0" lang="en-US" sz="1200" b="1" i="0" u="none" strike="noStrike" kern="1200" cap="none" spc="0" normalizeH="0" baseline="0" noProof="0" dirty="0">
               <a:ln>
@@ -10445,7 +11458,7 @@
 </p:sld>
 </file>
 
-<file path=ppt/slides/slide7.xml><?xml version="1.0" encoding="utf-8"?>
+<file path=ppt/slides/slide8.xml><?xml version="1.0" encoding="utf-8"?>
 <p:sld xmlns:a="http://schemas.openxmlformats.org/drawingml/2006/main" xmlns:r="http://schemas.openxmlformats.org/officeDocument/2006/relationships" xmlns:p="http://schemas.openxmlformats.org/presentationml/2006/main">
   <p:cSld>
     <p:spTree>
@@ -10632,7 +11645,7 @@
                 <a:tabLst/>
                 <a:defRPr/>
               </a:pPr>
-              <a:t>7</a:t>
+              <a:t>8</a:t>
             </a:fld>
             <a:endParaRPr kumimoji="0" lang="en-US" sz="1200" b="1" i="0" u="none" strike="noStrike" kern="1200" cap="none" spc="0" normalizeH="0" baseline="0" noProof="0" dirty="0">
               <a:ln>
@@ -11079,7 +12092,7 @@
 </p:sld>
 </file>
 
-<file path=ppt/slides/slide8.xml><?xml version="1.0" encoding="utf-8"?>
+<file path=ppt/slides/slide9.xml><?xml version="1.0" encoding="utf-8"?>
 <p:sld xmlns:a="http://schemas.openxmlformats.org/drawingml/2006/main" xmlns:r="http://schemas.openxmlformats.org/officeDocument/2006/relationships" xmlns:p="http://schemas.openxmlformats.org/presentationml/2006/main">
   <p:cSld>
     <p:spTree>
@@ -11284,7 +12297,7 @@
                 <a:tabLst/>
                 <a:defRPr/>
               </a:pPr>
-              <a:t>8</a:t>
+              <a:t>9</a:t>
             </a:fld>
             <a:endParaRPr kumimoji="0" lang="en-US" sz="1200" b="1" i="0" u="none" strike="noStrike" kern="1200" cap="none" spc="0" normalizeH="0" baseline="0" noProof="0" dirty="0">
               <a:ln>
